--- a/Documents/Sprint 1.pptx
+++ b/Documents/Sprint 1.pptx
@@ -13,9 +13,8 @@
     <p:sldId id="262" r:id="rId7"/>
     <p:sldId id="263" r:id="rId8"/>
     <p:sldId id="264" r:id="rId9"/>
-    <p:sldId id="259" r:id="rId10"/>
-    <p:sldId id="266" r:id="rId11"/>
-    <p:sldId id="265" r:id="rId12"/>
+    <p:sldId id="266" r:id="rId10"/>
+    <p:sldId id="265" r:id="rId11"/>
   </p:sldIdLst>
   <p:sldSz cx="12192000" cy="6858000"/>
   <p:notesSz cx="6858000" cy="9144000"/>
@@ -875,755 +874,6 @@
 </dgm:colorsDef>
 </file>
 
-<file path=ppt/diagrams/colors2.xml><?xml version="1.0" encoding="utf-8"?>
-<dgm:colorsDef xmlns:dgm="http://schemas.openxmlformats.org/drawingml/2006/diagram" xmlns:a="http://schemas.openxmlformats.org/drawingml/2006/main" uniqueId="urn:microsoft.com/office/officeart/2018/5/colors/Iconchunking_neutralbg_accent1_2">
-  <dgm:title val=""/>
-  <dgm:desc val=""/>
-  <dgm:catLst>
-    <dgm:cat type="accent1" pri="11200"/>
-  </dgm:catLst>
-  <dgm:styleLbl name="node0">
-    <dgm:fillClrLst meth="repeat">
-      <a:schemeClr val="accent1"/>
-    </dgm:fillClrLst>
-    <dgm:linClrLst meth="repeat">
-      <a:schemeClr val="lt1"/>
-    </dgm:linClrLst>
-    <dgm:effectClrLst/>
-    <dgm:txLinClrLst/>
-    <dgm:txFillClrLst/>
-    <dgm:txEffectClrLst/>
-  </dgm:styleLbl>
-  <dgm:styleLbl name="alignNode1">
-    <dgm:fillClrLst meth="repeat">
-      <a:schemeClr val="accent1"/>
-    </dgm:fillClrLst>
-    <dgm:linClrLst meth="repeat">
-      <a:schemeClr val="accent1"/>
-    </dgm:linClrLst>
-    <dgm:effectClrLst/>
-    <dgm:txLinClrLst/>
-    <dgm:txFillClrLst/>
-    <dgm:txEffectClrLst/>
-  </dgm:styleLbl>
-  <dgm:styleLbl name="node1">
-    <dgm:fillClrLst meth="repeat">
-      <a:schemeClr val="accent1"/>
-    </dgm:fillClrLst>
-    <dgm:linClrLst meth="repeat">
-      <a:schemeClr val="lt1">
-        <a:alpha val="0"/>
-      </a:schemeClr>
-    </dgm:linClrLst>
-    <dgm:effectClrLst/>
-    <dgm:txLinClrLst/>
-    <dgm:txFillClrLst/>
-    <dgm:txEffectClrLst/>
-  </dgm:styleLbl>
-  <dgm:styleLbl name="lnNode1">
-    <dgm:fillClrLst meth="repeat">
-      <a:schemeClr val="accent1"/>
-    </dgm:fillClrLst>
-    <dgm:linClrLst meth="repeat">
-      <a:schemeClr val="lt1"/>
-    </dgm:linClrLst>
-    <dgm:effectClrLst/>
-    <dgm:txLinClrLst/>
-    <dgm:txFillClrLst/>
-    <dgm:txEffectClrLst/>
-  </dgm:styleLbl>
-  <dgm:styleLbl name="vennNode1">
-    <dgm:fillClrLst meth="repeat">
-      <a:schemeClr val="accent1">
-        <a:alpha val="50000"/>
-      </a:schemeClr>
-    </dgm:fillClrLst>
-    <dgm:linClrLst meth="repeat">
-      <a:schemeClr val="lt1"/>
-    </dgm:linClrLst>
-    <dgm:effectClrLst/>
-    <dgm:txLinClrLst/>
-    <dgm:txFillClrLst/>
-    <dgm:txEffectClrLst/>
-  </dgm:styleLbl>
-  <dgm:styleLbl name="node2">
-    <dgm:fillClrLst meth="repeat">
-      <a:schemeClr val="accent1"/>
-    </dgm:fillClrLst>
-    <dgm:linClrLst meth="repeat">
-      <a:schemeClr val="lt1"/>
-    </dgm:linClrLst>
-    <dgm:effectClrLst/>
-    <dgm:txLinClrLst/>
-    <dgm:txFillClrLst/>
-    <dgm:txEffectClrLst/>
-  </dgm:styleLbl>
-  <dgm:styleLbl name="node3">
-    <dgm:fillClrLst meth="repeat">
-      <a:schemeClr val="accent1"/>
-    </dgm:fillClrLst>
-    <dgm:linClrLst meth="repeat">
-      <a:schemeClr val="lt1"/>
-    </dgm:linClrLst>
-    <dgm:effectClrLst/>
-    <dgm:txLinClrLst/>
-    <dgm:txFillClrLst/>
-    <dgm:txEffectClrLst/>
-  </dgm:styleLbl>
-  <dgm:styleLbl name="node4">
-    <dgm:fillClrLst meth="repeat">
-      <a:schemeClr val="accent1"/>
-    </dgm:fillClrLst>
-    <dgm:linClrLst meth="repeat">
-      <a:schemeClr val="lt1"/>
-    </dgm:linClrLst>
-    <dgm:effectClrLst/>
-    <dgm:txLinClrLst/>
-    <dgm:txFillClrLst/>
-    <dgm:txEffectClrLst/>
-  </dgm:styleLbl>
-  <dgm:styleLbl name="fgImgPlace1">
-    <dgm:fillClrLst meth="repeat">
-      <a:schemeClr val="accent1">
-        <a:tint val="50000"/>
-      </a:schemeClr>
-    </dgm:fillClrLst>
-    <dgm:linClrLst meth="repeat">
-      <a:schemeClr val="lt1"/>
-    </dgm:linClrLst>
-    <dgm:effectClrLst/>
-    <dgm:txLinClrLst/>
-    <dgm:txFillClrLst meth="repeat">
-      <a:schemeClr val="lt1"/>
-    </dgm:txFillClrLst>
-    <dgm:txEffectClrLst/>
-  </dgm:styleLbl>
-  <dgm:styleLbl name="alignImgPlace1">
-    <dgm:fillClrLst meth="repeat">
-      <a:schemeClr val="accent1">
-        <a:tint val="50000"/>
-      </a:schemeClr>
-    </dgm:fillClrLst>
-    <dgm:linClrLst meth="repeat">
-      <a:schemeClr val="lt1"/>
-    </dgm:linClrLst>
-    <dgm:effectClrLst/>
-    <dgm:txLinClrLst/>
-    <dgm:txFillClrLst meth="repeat">
-      <a:schemeClr val="lt1"/>
-    </dgm:txFillClrLst>
-    <dgm:txEffectClrLst/>
-  </dgm:styleLbl>
-  <dgm:styleLbl name="bgImgPlace1">
-    <dgm:fillClrLst meth="repeat">
-      <a:schemeClr val="accent1">
-        <a:tint val="50000"/>
-      </a:schemeClr>
-    </dgm:fillClrLst>
-    <dgm:linClrLst meth="repeat">
-      <a:schemeClr val="lt1"/>
-    </dgm:linClrLst>
-    <dgm:effectClrLst/>
-    <dgm:txLinClrLst/>
-    <dgm:txFillClrLst meth="repeat">
-      <a:schemeClr val="lt1"/>
-    </dgm:txFillClrLst>
-    <dgm:txEffectClrLst/>
-  </dgm:styleLbl>
-  <dgm:styleLbl name="sibTrans2D1">
-    <dgm:fillClrLst meth="repeat">
-      <a:schemeClr val="accent1">
-        <a:tint val="60000"/>
-      </a:schemeClr>
-    </dgm:fillClrLst>
-    <dgm:linClrLst meth="repeat">
-      <a:schemeClr val="accent1">
-        <a:tint val="60000"/>
-      </a:schemeClr>
-    </dgm:linClrLst>
-    <dgm:effectClrLst/>
-    <dgm:txLinClrLst/>
-    <dgm:txFillClrLst/>
-    <dgm:txEffectClrLst/>
-  </dgm:styleLbl>
-  <dgm:styleLbl name="fgSibTrans2D1">
-    <dgm:fillClrLst meth="repeat">
-      <a:schemeClr val="accent1">
-        <a:tint val="60000"/>
-      </a:schemeClr>
-    </dgm:fillClrLst>
-    <dgm:linClrLst meth="repeat">
-      <a:schemeClr val="accent1">
-        <a:tint val="60000"/>
-      </a:schemeClr>
-    </dgm:linClrLst>
-    <dgm:effectClrLst/>
-    <dgm:txLinClrLst/>
-    <dgm:txFillClrLst/>
-    <dgm:txEffectClrLst/>
-  </dgm:styleLbl>
-  <dgm:styleLbl name="bgSibTrans2D1">
-    <dgm:fillClrLst meth="repeat">
-      <a:schemeClr val="accent1">
-        <a:tint val="60000"/>
-      </a:schemeClr>
-    </dgm:fillClrLst>
-    <dgm:linClrLst meth="repeat">
-      <a:schemeClr val="accent1">
-        <a:tint val="60000"/>
-      </a:schemeClr>
-    </dgm:linClrLst>
-    <dgm:effectClrLst/>
-    <dgm:txLinClrLst/>
-    <dgm:txFillClrLst/>
-    <dgm:txEffectClrLst/>
-  </dgm:styleLbl>
-  <dgm:styleLbl name="sibTrans1D1">
-    <dgm:fillClrLst meth="repeat">
-      <a:schemeClr val="accent1"/>
-    </dgm:fillClrLst>
-    <dgm:linClrLst meth="repeat">
-      <a:schemeClr val="accent1"/>
-    </dgm:linClrLst>
-    <dgm:effectClrLst/>
-    <dgm:txLinClrLst/>
-    <dgm:txFillClrLst meth="repeat">
-      <a:schemeClr val="tx1"/>
-    </dgm:txFillClrLst>
-    <dgm:txEffectClrLst/>
-  </dgm:styleLbl>
-  <dgm:styleLbl name="callout">
-    <dgm:fillClrLst meth="repeat">
-      <a:schemeClr val="accent1"/>
-    </dgm:fillClrLst>
-    <dgm:linClrLst meth="repeat">
-      <a:schemeClr val="accent1">
-        <a:tint val="50000"/>
-      </a:schemeClr>
-    </dgm:linClrLst>
-    <dgm:effectClrLst/>
-    <dgm:txLinClrLst/>
-    <dgm:txFillClrLst meth="repeat">
-      <a:schemeClr val="tx1"/>
-    </dgm:txFillClrLst>
-    <dgm:txEffectClrLst/>
-  </dgm:styleLbl>
-  <dgm:styleLbl name="asst0">
-    <dgm:fillClrLst meth="repeat">
-      <a:schemeClr val="accent1"/>
-    </dgm:fillClrLst>
-    <dgm:linClrLst meth="repeat">
-      <a:schemeClr val="lt1"/>
-    </dgm:linClrLst>
-    <dgm:effectClrLst/>
-    <dgm:txLinClrLst/>
-    <dgm:txFillClrLst/>
-    <dgm:txEffectClrLst/>
-  </dgm:styleLbl>
-  <dgm:styleLbl name="asst1">
-    <dgm:fillClrLst meth="repeat">
-      <a:schemeClr val="accent1"/>
-    </dgm:fillClrLst>
-    <dgm:linClrLst meth="repeat">
-      <a:schemeClr val="lt1"/>
-    </dgm:linClrLst>
-    <dgm:effectClrLst/>
-    <dgm:txLinClrLst/>
-    <dgm:txFillClrLst/>
-    <dgm:txEffectClrLst/>
-  </dgm:styleLbl>
-  <dgm:styleLbl name="asst2">
-    <dgm:fillClrLst meth="repeat">
-      <a:schemeClr val="accent1"/>
-    </dgm:fillClrLst>
-    <dgm:linClrLst meth="repeat">
-      <a:schemeClr val="lt1"/>
-    </dgm:linClrLst>
-    <dgm:effectClrLst/>
-    <dgm:txLinClrLst/>
-    <dgm:txFillClrLst/>
-    <dgm:txEffectClrLst/>
-  </dgm:styleLbl>
-  <dgm:styleLbl name="asst3">
-    <dgm:fillClrLst meth="repeat">
-      <a:schemeClr val="accent1"/>
-    </dgm:fillClrLst>
-    <dgm:linClrLst meth="repeat">
-      <a:schemeClr val="lt1"/>
-    </dgm:linClrLst>
-    <dgm:effectClrLst/>
-    <dgm:txLinClrLst/>
-    <dgm:txFillClrLst/>
-    <dgm:txEffectClrLst/>
-  </dgm:styleLbl>
-  <dgm:styleLbl name="asst4">
-    <dgm:fillClrLst meth="repeat">
-      <a:schemeClr val="accent1"/>
-    </dgm:fillClrLst>
-    <dgm:linClrLst meth="repeat">
-      <a:schemeClr val="lt1"/>
-    </dgm:linClrLst>
-    <dgm:effectClrLst/>
-    <dgm:txLinClrLst/>
-    <dgm:txFillClrLst/>
-    <dgm:txEffectClrLst/>
-  </dgm:styleLbl>
-  <dgm:styleLbl name="parChTrans2D1">
-    <dgm:fillClrLst meth="repeat">
-      <a:schemeClr val="accent1">
-        <a:tint val="60000"/>
-      </a:schemeClr>
-    </dgm:fillClrLst>
-    <dgm:linClrLst meth="repeat">
-      <a:schemeClr val="accent1">
-        <a:tint val="60000"/>
-      </a:schemeClr>
-    </dgm:linClrLst>
-    <dgm:effectClrLst/>
-    <dgm:txLinClrLst/>
-    <dgm:txFillClrLst meth="repeat">
-      <a:schemeClr val="lt1"/>
-    </dgm:txFillClrLst>
-    <dgm:txEffectClrLst/>
-  </dgm:styleLbl>
-  <dgm:styleLbl name="parChTrans2D2">
-    <dgm:fillClrLst meth="repeat">
-      <a:schemeClr val="accent1"/>
-    </dgm:fillClrLst>
-    <dgm:linClrLst meth="repeat">
-      <a:schemeClr val="accent1"/>
-    </dgm:linClrLst>
-    <dgm:effectClrLst/>
-    <dgm:txLinClrLst/>
-    <dgm:txFillClrLst meth="repeat">
-      <a:schemeClr val="lt1"/>
-    </dgm:txFillClrLst>
-    <dgm:txEffectClrLst/>
-  </dgm:styleLbl>
-  <dgm:styleLbl name="parChTrans2D3">
-    <dgm:fillClrLst meth="repeat">
-      <a:schemeClr val="accent1"/>
-    </dgm:fillClrLst>
-    <dgm:linClrLst meth="repeat">
-      <a:schemeClr val="accent1"/>
-    </dgm:linClrLst>
-    <dgm:effectClrLst/>
-    <dgm:txLinClrLst/>
-    <dgm:txFillClrLst meth="repeat">
-      <a:schemeClr val="lt1"/>
-    </dgm:txFillClrLst>
-    <dgm:txEffectClrLst/>
-  </dgm:styleLbl>
-  <dgm:styleLbl name="parChTrans2D4">
-    <dgm:fillClrLst meth="repeat">
-      <a:schemeClr val="accent1"/>
-    </dgm:fillClrLst>
-    <dgm:linClrLst meth="repeat">
-      <a:schemeClr val="accent1"/>
-    </dgm:linClrLst>
-    <dgm:effectClrLst/>
-    <dgm:txLinClrLst/>
-    <dgm:txFillClrLst meth="repeat">
-      <a:schemeClr val="lt1"/>
-    </dgm:txFillClrLst>
-    <dgm:txEffectClrLst/>
-  </dgm:styleLbl>
-  <dgm:styleLbl name="parChTrans1D1">
-    <dgm:fillClrLst meth="repeat">
-      <a:schemeClr val="accent1"/>
-    </dgm:fillClrLst>
-    <dgm:linClrLst meth="repeat">
-      <a:schemeClr val="accent1">
-        <a:shade val="60000"/>
-      </a:schemeClr>
-    </dgm:linClrLst>
-    <dgm:effectClrLst/>
-    <dgm:txLinClrLst/>
-    <dgm:txFillClrLst meth="repeat">
-      <a:schemeClr val="tx1"/>
-    </dgm:txFillClrLst>
-    <dgm:txEffectClrLst/>
-  </dgm:styleLbl>
-  <dgm:styleLbl name="parChTrans1D2">
-    <dgm:fillClrLst meth="repeat">
-      <a:schemeClr val="accent1"/>
-    </dgm:fillClrLst>
-    <dgm:linClrLst meth="repeat">
-      <a:schemeClr val="accent1">
-        <a:shade val="60000"/>
-      </a:schemeClr>
-    </dgm:linClrLst>
-    <dgm:effectClrLst/>
-    <dgm:txLinClrLst/>
-    <dgm:txFillClrLst meth="repeat">
-      <a:schemeClr val="tx1"/>
-    </dgm:txFillClrLst>
-    <dgm:txEffectClrLst/>
-  </dgm:styleLbl>
-  <dgm:styleLbl name="parChTrans1D3">
-    <dgm:fillClrLst meth="repeat">
-      <a:schemeClr val="accent1"/>
-    </dgm:fillClrLst>
-    <dgm:linClrLst meth="repeat">
-      <a:schemeClr val="accent1">
-        <a:shade val="80000"/>
-      </a:schemeClr>
-    </dgm:linClrLst>
-    <dgm:effectClrLst/>
-    <dgm:txLinClrLst/>
-    <dgm:txFillClrLst meth="repeat">
-      <a:schemeClr val="tx1"/>
-    </dgm:txFillClrLst>
-    <dgm:txEffectClrLst/>
-  </dgm:styleLbl>
-  <dgm:styleLbl name="parChTrans1D4">
-    <dgm:fillClrLst meth="repeat">
-      <a:schemeClr val="accent1"/>
-    </dgm:fillClrLst>
-    <dgm:linClrLst meth="repeat">
-      <a:schemeClr val="accent1">
-        <a:shade val="80000"/>
-      </a:schemeClr>
-    </dgm:linClrLst>
-    <dgm:effectClrLst/>
-    <dgm:txLinClrLst/>
-    <dgm:txFillClrLst meth="repeat">
-      <a:schemeClr val="tx1"/>
-    </dgm:txFillClrLst>
-    <dgm:txEffectClrLst/>
-  </dgm:styleLbl>
-  <dgm:styleLbl name="fgAcc1">
-    <dgm:fillClrLst meth="repeat">
-      <a:schemeClr val="lt1">
-        <a:alpha val="90000"/>
-      </a:schemeClr>
-    </dgm:fillClrLst>
-    <dgm:linClrLst meth="repeat">
-      <a:schemeClr val="accent1"/>
-    </dgm:linClrLst>
-    <dgm:effectClrLst/>
-    <dgm:txLinClrLst/>
-    <dgm:txFillClrLst meth="repeat">
-      <a:schemeClr val="dk1"/>
-    </dgm:txFillClrLst>
-    <dgm:txEffectClrLst/>
-  </dgm:styleLbl>
-  <dgm:styleLbl name="conFgAcc1">
-    <dgm:fillClrLst meth="repeat">
-      <a:schemeClr val="lt1">
-        <a:alpha val="90000"/>
-      </a:schemeClr>
-    </dgm:fillClrLst>
-    <dgm:linClrLst meth="repeat">
-      <a:schemeClr val="accent1"/>
-    </dgm:linClrLst>
-    <dgm:effectClrLst/>
-    <dgm:txLinClrLst/>
-    <dgm:txFillClrLst meth="repeat">
-      <a:schemeClr val="dk1"/>
-    </dgm:txFillClrLst>
-    <dgm:txEffectClrLst/>
-  </dgm:styleLbl>
-  <dgm:styleLbl name="alignAcc1">
-    <dgm:fillClrLst meth="repeat">
-      <a:schemeClr val="lt1">
-        <a:alpha val="90000"/>
-      </a:schemeClr>
-    </dgm:fillClrLst>
-    <dgm:linClrLst meth="repeat">
-      <a:schemeClr val="accent1"/>
-    </dgm:linClrLst>
-    <dgm:effectClrLst/>
-    <dgm:txLinClrLst/>
-    <dgm:txFillClrLst meth="repeat">
-      <a:schemeClr val="dk1"/>
-    </dgm:txFillClrLst>
-    <dgm:txEffectClrLst/>
-  </dgm:styleLbl>
-  <dgm:styleLbl name="trAlignAcc1">
-    <dgm:fillClrLst meth="repeat">
-      <a:schemeClr val="lt1">
-        <a:alpha val="40000"/>
-      </a:schemeClr>
-    </dgm:fillClrLst>
-    <dgm:linClrLst meth="repeat">
-      <a:schemeClr val="accent1"/>
-    </dgm:linClrLst>
-    <dgm:effectClrLst/>
-    <dgm:txLinClrLst/>
-    <dgm:txFillClrLst meth="repeat">
-      <a:schemeClr val="dk1"/>
-    </dgm:txFillClrLst>
-    <dgm:txEffectClrLst/>
-  </dgm:styleLbl>
-  <dgm:styleLbl name="bgAcc1">
-    <dgm:fillClrLst meth="repeat">
-      <a:schemeClr val="lt1">
-        <a:alpha val="90000"/>
-      </a:schemeClr>
-    </dgm:fillClrLst>
-    <dgm:linClrLst meth="repeat">
-      <a:schemeClr val="accent1"/>
-    </dgm:linClrLst>
-    <dgm:effectClrLst/>
-    <dgm:txLinClrLst/>
-    <dgm:txFillClrLst meth="repeat">
-      <a:schemeClr val="dk1"/>
-    </dgm:txFillClrLst>
-    <dgm:txEffectClrLst/>
-  </dgm:styleLbl>
-  <dgm:styleLbl name="solidFgAcc1">
-    <dgm:fillClrLst meth="repeat">
-      <a:schemeClr val="lt1"/>
-    </dgm:fillClrLst>
-    <dgm:linClrLst meth="repeat">
-      <a:schemeClr val="accent1"/>
-    </dgm:linClrLst>
-    <dgm:effectClrLst/>
-    <dgm:txLinClrLst/>
-    <dgm:txFillClrLst meth="repeat">
-      <a:schemeClr val="dk1"/>
-    </dgm:txFillClrLst>
-    <dgm:txEffectClrLst/>
-  </dgm:styleLbl>
-  <dgm:styleLbl name="solidAlignAcc1">
-    <dgm:fillClrLst meth="repeat">
-      <a:schemeClr val="lt1"/>
-    </dgm:fillClrLst>
-    <dgm:linClrLst meth="repeat">
-      <a:schemeClr val="accent1"/>
-    </dgm:linClrLst>
-    <dgm:effectClrLst/>
-    <dgm:txLinClrLst/>
-    <dgm:txFillClrLst meth="repeat">
-      <a:schemeClr val="dk1"/>
-    </dgm:txFillClrLst>
-    <dgm:txEffectClrLst/>
-  </dgm:styleLbl>
-  <dgm:styleLbl name="solidBgAcc1">
-    <dgm:fillClrLst meth="repeat">
-      <a:schemeClr val="lt1"/>
-    </dgm:fillClrLst>
-    <dgm:linClrLst meth="repeat">
-      <a:schemeClr val="accent1"/>
-    </dgm:linClrLst>
-    <dgm:effectClrLst/>
-    <dgm:txLinClrLst/>
-    <dgm:txFillClrLst meth="repeat">
-      <a:schemeClr val="dk1"/>
-    </dgm:txFillClrLst>
-    <dgm:txEffectClrLst/>
-  </dgm:styleLbl>
-  <dgm:styleLbl name="fgAccFollowNode1">
-    <dgm:fillClrLst meth="repeat">
-      <a:schemeClr val="accent1">
-        <a:alpha val="90000"/>
-        <a:tint val="40000"/>
-      </a:schemeClr>
-    </dgm:fillClrLst>
-    <dgm:linClrLst meth="repeat">
-      <a:schemeClr val="accent1">
-        <a:alpha val="90000"/>
-        <a:tint val="40000"/>
-      </a:schemeClr>
-    </dgm:linClrLst>
-    <dgm:effectClrLst/>
-    <dgm:txLinClrLst/>
-    <dgm:txFillClrLst meth="repeat">
-      <a:schemeClr val="dk1"/>
-    </dgm:txFillClrLst>
-    <dgm:txEffectClrLst/>
-  </dgm:styleLbl>
-  <dgm:styleLbl name="alignAccFollowNode1">
-    <dgm:fillClrLst meth="repeat">
-      <a:schemeClr val="accent1">
-        <a:alpha val="90000"/>
-        <a:tint val="40000"/>
-      </a:schemeClr>
-    </dgm:fillClrLst>
-    <dgm:linClrLst meth="repeat">
-      <a:schemeClr val="accent1">
-        <a:alpha val="90000"/>
-        <a:tint val="40000"/>
-      </a:schemeClr>
-    </dgm:linClrLst>
-    <dgm:effectClrLst/>
-    <dgm:txLinClrLst/>
-    <dgm:txFillClrLst meth="repeat">
-      <a:schemeClr val="dk1"/>
-    </dgm:txFillClrLst>
-    <dgm:txEffectClrLst/>
-  </dgm:styleLbl>
-  <dgm:styleLbl name="bgAccFollowNode1">
-    <dgm:fillClrLst meth="repeat">
-      <a:schemeClr val="accent1">
-        <a:alpha val="90000"/>
-        <a:tint val="40000"/>
-      </a:schemeClr>
-    </dgm:fillClrLst>
-    <dgm:linClrLst meth="repeat">
-      <a:schemeClr val="accent1">
-        <a:alpha val="90000"/>
-        <a:tint val="40000"/>
-      </a:schemeClr>
-    </dgm:linClrLst>
-    <dgm:effectClrLst/>
-    <dgm:txLinClrLst/>
-    <dgm:txFillClrLst meth="repeat">
-      <a:schemeClr val="dk1"/>
-    </dgm:txFillClrLst>
-    <dgm:txEffectClrLst/>
-  </dgm:styleLbl>
-  <dgm:styleLbl name="fgAcc0">
-    <dgm:fillClrLst meth="repeat">
-      <a:schemeClr val="lt1">
-        <a:alpha val="90000"/>
-      </a:schemeClr>
-    </dgm:fillClrLst>
-    <dgm:linClrLst meth="repeat">
-      <a:schemeClr val="accent1"/>
-    </dgm:linClrLst>
-    <dgm:effectClrLst/>
-    <dgm:txLinClrLst/>
-    <dgm:txFillClrLst meth="repeat">
-      <a:schemeClr val="dk1"/>
-    </dgm:txFillClrLst>
-    <dgm:txEffectClrLst/>
-  </dgm:styleLbl>
-  <dgm:styleLbl name="fgAcc2">
-    <dgm:fillClrLst meth="repeat">
-      <a:schemeClr val="lt1">
-        <a:alpha val="90000"/>
-      </a:schemeClr>
-    </dgm:fillClrLst>
-    <dgm:linClrLst meth="repeat">
-      <a:schemeClr val="accent1"/>
-    </dgm:linClrLst>
-    <dgm:effectClrLst/>
-    <dgm:txLinClrLst/>
-    <dgm:txFillClrLst meth="repeat">
-      <a:schemeClr val="dk1"/>
-    </dgm:txFillClrLst>
-    <dgm:txEffectClrLst/>
-  </dgm:styleLbl>
-  <dgm:styleLbl name="fgAcc3">
-    <dgm:fillClrLst meth="repeat">
-      <a:schemeClr val="lt1">
-        <a:alpha val="90000"/>
-      </a:schemeClr>
-    </dgm:fillClrLst>
-    <dgm:linClrLst meth="repeat">
-      <a:schemeClr val="accent1"/>
-    </dgm:linClrLst>
-    <dgm:effectClrLst/>
-    <dgm:txLinClrLst/>
-    <dgm:txFillClrLst meth="repeat">
-      <a:schemeClr val="dk1"/>
-    </dgm:txFillClrLst>
-    <dgm:txEffectClrLst/>
-  </dgm:styleLbl>
-  <dgm:styleLbl name="fgAcc4">
-    <dgm:fillClrLst meth="repeat">
-      <a:schemeClr val="lt1">
-        <a:alpha val="90000"/>
-      </a:schemeClr>
-    </dgm:fillClrLst>
-    <dgm:linClrLst meth="repeat">
-      <a:schemeClr val="accent1"/>
-    </dgm:linClrLst>
-    <dgm:effectClrLst/>
-    <dgm:txLinClrLst/>
-    <dgm:txFillClrLst meth="repeat">
-      <a:schemeClr val="dk1"/>
-    </dgm:txFillClrLst>
-    <dgm:txEffectClrLst/>
-  </dgm:styleLbl>
-  <dgm:styleLbl name="bgShp">
-    <dgm:fillClrLst meth="repeat">
-      <a:schemeClr val="bg1">
-        <a:lumMod val="95000"/>
-      </a:schemeClr>
-    </dgm:fillClrLst>
-    <dgm:linClrLst meth="repeat">
-      <a:schemeClr val="accent1"/>
-    </dgm:linClrLst>
-    <dgm:effectClrLst/>
-    <dgm:txLinClrLst/>
-    <dgm:txFillClrLst meth="repeat">
-      <a:schemeClr val="dk1"/>
-    </dgm:txFillClrLst>
-    <dgm:txEffectClrLst/>
-  </dgm:styleLbl>
-  <dgm:styleLbl name="dkBgShp">
-    <dgm:fillClrLst meth="repeat">
-      <a:schemeClr val="accent1">
-        <a:shade val="80000"/>
-      </a:schemeClr>
-    </dgm:fillClrLst>
-    <dgm:linClrLst meth="repeat">
-      <a:schemeClr val="accent1"/>
-    </dgm:linClrLst>
-    <dgm:effectClrLst/>
-    <dgm:txLinClrLst/>
-    <dgm:txFillClrLst meth="repeat">
-      <a:schemeClr val="lt1"/>
-    </dgm:txFillClrLst>
-    <dgm:txEffectClrLst/>
-  </dgm:styleLbl>
-  <dgm:styleLbl name="trBgShp">
-    <dgm:fillClrLst meth="repeat">
-      <a:schemeClr val="accent1">
-        <a:tint val="50000"/>
-        <a:alpha val="40000"/>
-      </a:schemeClr>
-    </dgm:fillClrLst>
-    <dgm:linClrLst meth="repeat">
-      <a:schemeClr val="accent1"/>
-    </dgm:linClrLst>
-    <dgm:effectClrLst/>
-    <dgm:txLinClrLst/>
-    <dgm:txFillClrLst meth="repeat">
-      <a:schemeClr val="lt1"/>
-    </dgm:txFillClrLst>
-    <dgm:txEffectClrLst/>
-  </dgm:styleLbl>
-  <dgm:styleLbl name="fgShp">
-    <dgm:fillClrLst meth="repeat">
-      <a:schemeClr val="accent1">
-        <a:tint val="60000"/>
-      </a:schemeClr>
-    </dgm:fillClrLst>
-    <dgm:linClrLst meth="repeat">
-      <a:schemeClr val="lt1"/>
-    </dgm:linClrLst>
-    <dgm:effectClrLst/>
-    <dgm:txLinClrLst/>
-    <dgm:txFillClrLst meth="repeat">
-      <a:schemeClr val="dk1"/>
-    </dgm:txFillClrLst>
-    <dgm:txEffectClrLst/>
-  </dgm:styleLbl>
-  <dgm:styleLbl name="revTx">
-    <dgm:fillClrLst meth="repeat">
-      <a:schemeClr val="lt1">
-        <a:alpha val="0"/>
-      </a:schemeClr>
-    </dgm:fillClrLst>
-    <dgm:linClrLst meth="repeat">
-      <a:schemeClr val="dk1">
-        <a:alpha val="0"/>
-      </a:schemeClr>
-    </dgm:linClrLst>
-    <dgm:effectClrLst/>
-    <dgm:txLinClrLst/>
-    <dgm:txFillClrLst meth="repeat">
-      <a:schemeClr val="tx1"/>
-    </dgm:txFillClrLst>
-    <dgm:txEffectClrLst/>
-  </dgm:styleLbl>
-</dgm:colorsDef>
-</file>
-
 <file path=ppt/diagrams/data1.xml><?xml version="1.0" encoding="utf-8"?>
 <dgm:dataModel xmlns:dgm="http://schemas.openxmlformats.org/drawingml/2006/diagram" xmlns:a="http://schemas.openxmlformats.org/drawingml/2006/main">
   <dgm:ptLst>
@@ -1845,308 +1095,6 @@
     <dgm:cxn modelId="{2130BBA4-A58B-4CC8-909A-B5F3375B6BC2}" type="presParOf" srcId="{19FC779B-9636-4B36-A15A-8B0268ADC9C3}" destId="{5C4FAA39-46B3-4022-9479-BC0628D137CC}" srcOrd="1" destOrd="0" presId="urn:microsoft.com/office/officeart/2018/5/layout/IconCircleLabelList"/>
     <dgm:cxn modelId="{DE3C1CC8-DA90-4558-A944-78CE6E449E59}" type="presParOf" srcId="{19FC779B-9636-4B36-A15A-8B0268ADC9C3}" destId="{8019A12E-CAD2-4350-8D00-3759AC1BF8BB}" srcOrd="2" destOrd="0" presId="urn:microsoft.com/office/officeart/2018/5/layout/IconCircleLabelList"/>
     <dgm:cxn modelId="{82FAB736-DA87-4E40-95A4-70369182B3A1}" type="presParOf" srcId="{19FC779B-9636-4B36-A15A-8B0268ADC9C3}" destId="{9088DEA8-BFF4-463C-A072-C65AF93452F0}" srcOrd="3" destOrd="0" presId="urn:microsoft.com/office/officeart/2018/5/layout/IconCircleLabelList"/>
-  </dgm:cxnLst>
-  <dgm:bg/>
-  <dgm:whole/>
-  <dgm:extLst>
-    <a:ext uri="http://schemas.microsoft.com/office/drawing/2008/diagram">
-      <dsp:dataModelExt xmlns:dsp="http://schemas.microsoft.com/office/drawing/2008/diagram" relId="rId6" minVer="http://schemas.openxmlformats.org/drawingml/2006/diagram"/>
-    </a:ext>
-  </dgm:extLst>
-</dgm:dataModel>
-</file>
-
-<file path=ppt/diagrams/data2.xml><?xml version="1.0" encoding="utf-8"?>
-<dgm:dataModel xmlns:dgm="http://schemas.openxmlformats.org/drawingml/2006/diagram" xmlns:a="http://schemas.openxmlformats.org/drawingml/2006/main">
-  <dgm:ptLst>
-    <dgm:pt modelId="{0AF0B5B1-9E65-4913-A253-C48639B8F051}" type="doc">
-      <dgm:prSet loTypeId="urn:microsoft.com/office/officeart/2018/5/layout/IconLeafLabelList" loCatId="icon" qsTypeId="urn:microsoft.com/office/officeart/2005/8/quickstyle/simple1" qsCatId="simple" csTypeId="urn:microsoft.com/office/officeart/2018/5/colors/Iconchunking_neutralbg_accent1_2" csCatId="accent1" phldr="1"/>
-      <dgm:spPr/>
-      <dgm:t>
-        <a:bodyPr/>
-        <a:lstStyle/>
-        <a:p>
-          <a:endParaRPr lang="en-US"/>
-        </a:p>
-      </dgm:t>
-    </dgm:pt>
-    <dgm:pt modelId="{BB728512-1622-4611-94BA-0FF7AD85D2D8}">
-      <dgm:prSet/>
-      <dgm:spPr/>
-      <dgm:t>
-        <a:bodyPr/>
-        <a:lstStyle/>
-        <a:p>
-          <a:pPr>
-            <a:lnSpc>
-              <a:spcPct val="100000"/>
-            </a:lnSpc>
-            <a:defRPr cap="all"/>
-          </a:pPr>
-          <a:r>
-            <a:rPr lang="en-US"/>
-            <a:t>Setup the initial project environment.</a:t>
-          </a:r>
-        </a:p>
-      </dgm:t>
-    </dgm:pt>
-    <dgm:pt modelId="{72F96DDB-FD9E-4A5B-A2BF-3C056DAED274}" type="parTrans" cxnId="{B3194A9C-5F1D-467B-B44E-F95BC40A3EC3}">
-      <dgm:prSet/>
-      <dgm:spPr/>
-      <dgm:t>
-        <a:bodyPr/>
-        <a:lstStyle/>
-        <a:p>
-          <a:endParaRPr lang="en-US"/>
-        </a:p>
-      </dgm:t>
-    </dgm:pt>
-    <dgm:pt modelId="{267A539A-898A-4CB4-9C51-1ECC324F04DA}" type="sibTrans" cxnId="{B3194A9C-5F1D-467B-B44E-F95BC40A3EC3}">
-      <dgm:prSet/>
-      <dgm:spPr/>
-      <dgm:t>
-        <a:bodyPr/>
-        <a:lstStyle/>
-        <a:p>
-          <a:endParaRPr lang="en-US"/>
-        </a:p>
-      </dgm:t>
-    </dgm:pt>
-    <dgm:pt modelId="{BC1D3E84-36DD-4453-84BF-BF64BB39CA8B}">
-      <dgm:prSet/>
-      <dgm:spPr/>
-      <dgm:t>
-        <a:bodyPr/>
-        <a:lstStyle/>
-        <a:p>
-          <a:pPr>
-            <a:lnSpc>
-              <a:spcPct val="100000"/>
-            </a:lnSpc>
-            <a:defRPr cap="all"/>
-          </a:pPr>
-          <a:r>
-            <a:rPr lang="en-US"/>
-            <a:t>Add some functional requirement.</a:t>
-          </a:r>
-        </a:p>
-      </dgm:t>
-    </dgm:pt>
-    <dgm:pt modelId="{43822B18-CD45-490B-9890-2ED10A79C59A}" type="parTrans" cxnId="{28AABB31-467A-4962-BF0A-2E5F970BB472}">
-      <dgm:prSet/>
-      <dgm:spPr/>
-      <dgm:t>
-        <a:bodyPr/>
-        <a:lstStyle/>
-        <a:p>
-          <a:endParaRPr lang="en-US"/>
-        </a:p>
-      </dgm:t>
-    </dgm:pt>
-    <dgm:pt modelId="{BAFD71C9-7D8E-4B7B-AF9B-57C0BD5E0B11}" type="sibTrans" cxnId="{28AABB31-467A-4962-BF0A-2E5F970BB472}">
-      <dgm:prSet/>
-      <dgm:spPr/>
-      <dgm:t>
-        <a:bodyPr/>
-        <a:lstStyle/>
-        <a:p>
-          <a:endParaRPr lang="en-US"/>
-        </a:p>
-      </dgm:t>
-    </dgm:pt>
-    <dgm:pt modelId="{9E34605B-C0BC-45A4-A36C-67BA4B268564}">
-      <dgm:prSet/>
-      <dgm:spPr/>
-      <dgm:t>
-        <a:bodyPr/>
-        <a:lstStyle/>
-        <a:p>
-          <a:pPr>
-            <a:lnSpc>
-              <a:spcPct val="100000"/>
-            </a:lnSpc>
-            <a:defRPr cap="all"/>
-          </a:pPr>
-          <a:r>
-            <a:rPr lang="en-US" dirty="0"/>
-            <a:t>Do research question 1.</a:t>
-          </a:r>
-        </a:p>
-      </dgm:t>
-    </dgm:pt>
-    <dgm:pt modelId="{D342B537-6265-4100-AE4B-75CBDAB86678}" type="parTrans" cxnId="{4F31161F-316D-4BEE-8491-84C415C6D4E0}">
-      <dgm:prSet/>
-      <dgm:spPr/>
-      <dgm:t>
-        <a:bodyPr/>
-        <a:lstStyle/>
-        <a:p>
-          <a:endParaRPr lang="en-US"/>
-        </a:p>
-      </dgm:t>
-    </dgm:pt>
-    <dgm:pt modelId="{1656EFE4-135C-488A-8C5A-20F0D3E2B4C6}" type="sibTrans" cxnId="{4F31161F-316D-4BEE-8491-84C415C6D4E0}">
-      <dgm:prSet/>
-      <dgm:spPr/>
-      <dgm:t>
-        <a:bodyPr/>
-        <a:lstStyle/>
-        <a:p>
-          <a:endParaRPr lang="en-US"/>
-        </a:p>
-      </dgm:t>
-    </dgm:pt>
-    <dgm:pt modelId="{BC8DEB90-B121-4000-9478-BC034FB940C3}" type="pres">
-      <dgm:prSet presAssocID="{0AF0B5B1-9E65-4913-A253-C48639B8F051}" presName="root" presStyleCnt="0">
-        <dgm:presLayoutVars>
-          <dgm:dir/>
-          <dgm:resizeHandles val="exact"/>
-        </dgm:presLayoutVars>
-      </dgm:prSet>
-      <dgm:spPr/>
-    </dgm:pt>
-    <dgm:pt modelId="{1818116D-80AC-47E9-BA28-1A5535D3E656}" type="pres">
-      <dgm:prSet presAssocID="{BB728512-1622-4611-94BA-0FF7AD85D2D8}" presName="compNode" presStyleCnt="0"/>
-      <dgm:spPr/>
-    </dgm:pt>
-    <dgm:pt modelId="{FB1BA285-6E6C-4084-89A2-545D07A7F604}" type="pres">
-      <dgm:prSet presAssocID="{BB728512-1622-4611-94BA-0FF7AD85D2D8}" presName="iconBgRect" presStyleLbl="bgShp" presStyleIdx="0" presStyleCnt="3"/>
-      <dgm:spPr>
-        <a:prstGeom prst="round2DiagRect">
-          <a:avLst>
-            <a:gd name="adj1" fmla="val 29727"/>
-            <a:gd name="adj2" fmla="val 0"/>
-          </a:avLst>
-        </a:prstGeom>
-      </dgm:spPr>
-    </dgm:pt>
-    <dgm:pt modelId="{4179A10C-F309-474B-8435-C3D9F4302220}" type="pres">
-      <dgm:prSet presAssocID="{BB728512-1622-4611-94BA-0FF7AD85D2D8}" presName="iconRect" presStyleLbl="node1" presStyleIdx="0" presStyleCnt="3"/>
-      <dgm:spPr>
-        <a:ln>
-          <a:noFill/>
-        </a:ln>
-      </dgm:spPr>
-    </dgm:pt>
-    <dgm:pt modelId="{94EBCD41-EBBE-4243-B0E2-DEFE01870525}" type="pres">
-      <dgm:prSet presAssocID="{BB728512-1622-4611-94BA-0FF7AD85D2D8}" presName="spaceRect" presStyleCnt="0"/>
-      <dgm:spPr/>
-    </dgm:pt>
-    <dgm:pt modelId="{0B36D190-6E65-4CA8-9AC0-4D19EAC333E1}" type="pres">
-      <dgm:prSet presAssocID="{BB728512-1622-4611-94BA-0FF7AD85D2D8}" presName="textRect" presStyleLbl="revTx" presStyleIdx="0" presStyleCnt="3">
-        <dgm:presLayoutVars>
-          <dgm:chMax val="1"/>
-          <dgm:chPref val="1"/>
-        </dgm:presLayoutVars>
-      </dgm:prSet>
-      <dgm:spPr/>
-    </dgm:pt>
-    <dgm:pt modelId="{CEABD146-0046-4BFD-9BB8-83BFE6C1090B}" type="pres">
-      <dgm:prSet presAssocID="{267A539A-898A-4CB4-9C51-1ECC324F04DA}" presName="sibTrans" presStyleCnt="0"/>
-      <dgm:spPr/>
-    </dgm:pt>
-    <dgm:pt modelId="{B5DEF7ED-870F-4ADB-AA35-B6CDBDF93CE3}" type="pres">
-      <dgm:prSet presAssocID="{BC1D3E84-36DD-4453-84BF-BF64BB39CA8B}" presName="compNode" presStyleCnt="0"/>
-      <dgm:spPr/>
-    </dgm:pt>
-    <dgm:pt modelId="{CEF47B7D-E9B5-456C-BDA7-4DE5D915DB36}" type="pres">
-      <dgm:prSet presAssocID="{BC1D3E84-36DD-4453-84BF-BF64BB39CA8B}" presName="iconBgRect" presStyleLbl="bgShp" presStyleIdx="1" presStyleCnt="3"/>
-      <dgm:spPr>
-        <a:prstGeom prst="round2DiagRect">
-          <a:avLst>
-            <a:gd name="adj1" fmla="val 29727"/>
-            <a:gd name="adj2" fmla="val 0"/>
-          </a:avLst>
-        </a:prstGeom>
-      </dgm:spPr>
-    </dgm:pt>
-    <dgm:pt modelId="{249FAD38-E47E-4CBE-845F-E3721304CD79}" type="pres">
-      <dgm:prSet presAssocID="{BC1D3E84-36DD-4453-84BF-BF64BB39CA8B}" presName="iconRect" presStyleLbl="node1" presStyleIdx="1" presStyleCnt="3"/>
-      <dgm:spPr>
-        <a:ln>
-          <a:noFill/>
-        </a:ln>
-      </dgm:spPr>
-    </dgm:pt>
-    <dgm:pt modelId="{09947766-8933-4A16-BD6D-2CB54D4FB7A1}" type="pres">
-      <dgm:prSet presAssocID="{BC1D3E84-36DD-4453-84BF-BF64BB39CA8B}" presName="spaceRect" presStyleCnt="0"/>
-      <dgm:spPr/>
-    </dgm:pt>
-    <dgm:pt modelId="{F1D4E3CB-59DB-4180-80D1-36D4AA068CA0}" type="pres">
-      <dgm:prSet presAssocID="{BC1D3E84-36DD-4453-84BF-BF64BB39CA8B}" presName="textRect" presStyleLbl="revTx" presStyleIdx="1" presStyleCnt="3">
-        <dgm:presLayoutVars>
-          <dgm:chMax val="1"/>
-          <dgm:chPref val="1"/>
-        </dgm:presLayoutVars>
-      </dgm:prSet>
-      <dgm:spPr/>
-    </dgm:pt>
-    <dgm:pt modelId="{3B83733A-76BF-4922-99F1-AE25EE84A80C}" type="pres">
-      <dgm:prSet presAssocID="{BAFD71C9-7D8E-4B7B-AF9B-57C0BD5E0B11}" presName="sibTrans" presStyleCnt="0"/>
-      <dgm:spPr/>
-    </dgm:pt>
-    <dgm:pt modelId="{E4EB86F7-3DD1-4439-AC2A-C2C918698501}" type="pres">
-      <dgm:prSet presAssocID="{9E34605B-C0BC-45A4-A36C-67BA4B268564}" presName="compNode" presStyleCnt="0"/>
-      <dgm:spPr/>
-    </dgm:pt>
-    <dgm:pt modelId="{B2AB76BD-82A8-405F-96E1-D5A9EC10BFD3}" type="pres">
-      <dgm:prSet presAssocID="{9E34605B-C0BC-45A4-A36C-67BA4B268564}" presName="iconBgRect" presStyleLbl="bgShp" presStyleIdx="2" presStyleCnt="3"/>
-      <dgm:spPr>
-        <a:prstGeom prst="round2DiagRect">
-          <a:avLst>
-            <a:gd name="adj1" fmla="val 29727"/>
-            <a:gd name="adj2" fmla="val 0"/>
-          </a:avLst>
-        </a:prstGeom>
-      </dgm:spPr>
-    </dgm:pt>
-    <dgm:pt modelId="{7D62228B-2452-47FD-8036-B297C0493590}" type="pres">
-      <dgm:prSet presAssocID="{9E34605B-C0BC-45A4-A36C-67BA4B268564}" presName="iconRect" presStyleLbl="node1" presStyleIdx="2" presStyleCnt="3"/>
-      <dgm:spPr>
-        <a:ln>
-          <a:noFill/>
-        </a:ln>
-      </dgm:spPr>
-    </dgm:pt>
-    <dgm:pt modelId="{452A8822-4297-48DF-86ED-204B6EC13F40}" type="pres">
-      <dgm:prSet presAssocID="{9E34605B-C0BC-45A4-A36C-67BA4B268564}" presName="spaceRect" presStyleCnt="0"/>
-      <dgm:spPr/>
-    </dgm:pt>
-    <dgm:pt modelId="{8BA8501F-1186-4E81-A651-35DADE024716}" type="pres">
-      <dgm:prSet presAssocID="{9E34605B-C0BC-45A4-A36C-67BA4B268564}" presName="textRect" presStyleLbl="revTx" presStyleIdx="2" presStyleCnt="3">
-        <dgm:presLayoutVars>
-          <dgm:chMax val="1"/>
-          <dgm:chPref val="1"/>
-        </dgm:presLayoutVars>
-      </dgm:prSet>
-      <dgm:spPr/>
-    </dgm:pt>
-  </dgm:ptLst>
-  <dgm:cxnLst>
-    <dgm:cxn modelId="{4F31161F-316D-4BEE-8491-84C415C6D4E0}" srcId="{0AF0B5B1-9E65-4913-A253-C48639B8F051}" destId="{9E34605B-C0BC-45A4-A36C-67BA4B268564}" srcOrd="2" destOrd="0" parTransId="{D342B537-6265-4100-AE4B-75CBDAB86678}" sibTransId="{1656EFE4-135C-488A-8C5A-20F0D3E2B4C6}"/>
-    <dgm:cxn modelId="{28AABB31-467A-4962-BF0A-2E5F970BB472}" srcId="{0AF0B5B1-9E65-4913-A253-C48639B8F051}" destId="{BC1D3E84-36DD-4453-84BF-BF64BB39CA8B}" srcOrd="1" destOrd="0" parTransId="{43822B18-CD45-490B-9890-2ED10A79C59A}" sibTransId="{BAFD71C9-7D8E-4B7B-AF9B-57C0BD5E0B11}"/>
-    <dgm:cxn modelId="{91AEEE77-2B26-40D2-8AA4-D80B228C1C90}" type="presOf" srcId="{BC1D3E84-36DD-4453-84BF-BF64BB39CA8B}" destId="{F1D4E3CB-59DB-4180-80D1-36D4AA068CA0}" srcOrd="0" destOrd="0" presId="urn:microsoft.com/office/officeart/2018/5/layout/IconLeafLabelList"/>
-    <dgm:cxn modelId="{B3194A9C-5F1D-467B-B44E-F95BC40A3EC3}" srcId="{0AF0B5B1-9E65-4913-A253-C48639B8F051}" destId="{BB728512-1622-4611-94BA-0FF7AD85D2D8}" srcOrd="0" destOrd="0" parTransId="{72F96DDB-FD9E-4A5B-A2BF-3C056DAED274}" sibTransId="{267A539A-898A-4CB4-9C51-1ECC324F04DA}"/>
-    <dgm:cxn modelId="{BFB5F1B7-96DC-45F5-9022-B5DD492CB4F7}" type="presOf" srcId="{9E34605B-C0BC-45A4-A36C-67BA4B268564}" destId="{8BA8501F-1186-4E81-A651-35DADE024716}" srcOrd="0" destOrd="0" presId="urn:microsoft.com/office/officeart/2018/5/layout/IconLeafLabelList"/>
-    <dgm:cxn modelId="{3BAD3ECA-807C-4F26-9B1E-42825C7781E9}" type="presOf" srcId="{BB728512-1622-4611-94BA-0FF7AD85D2D8}" destId="{0B36D190-6E65-4CA8-9AC0-4D19EAC333E1}" srcOrd="0" destOrd="0" presId="urn:microsoft.com/office/officeart/2018/5/layout/IconLeafLabelList"/>
-    <dgm:cxn modelId="{A624EFF5-0533-48AD-95A6-27841CEB77CA}" type="presOf" srcId="{0AF0B5B1-9E65-4913-A253-C48639B8F051}" destId="{BC8DEB90-B121-4000-9478-BC034FB940C3}" srcOrd="0" destOrd="0" presId="urn:microsoft.com/office/officeart/2018/5/layout/IconLeafLabelList"/>
-    <dgm:cxn modelId="{7001A7D7-9811-4B3C-AA7B-DA38704597C7}" type="presParOf" srcId="{BC8DEB90-B121-4000-9478-BC034FB940C3}" destId="{1818116D-80AC-47E9-BA28-1A5535D3E656}" srcOrd="0" destOrd="0" presId="urn:microsoft.com/office/officeart/2018/5/layout/IconLeafLabelList"/>
-    <dgm:cxn modelId="{482A9AB3-AAC1-4ED8-B23F-8AA5EBCAAC15}" type="presParOf" srcId="{1818116D-80AC-47E9-BA28-1A5535D3E656}" destId="{FB1BA285-6E6C-4084-89A2-545D07A7F604}" srcOrd="0" destOrd="0" presId="urn:microsoft.com/office/officeart/2018/5/layout/IconLeafLabelList"/>
-    <dgm:cxn modelId="{4F4259AB-88E9-4B78-8A04-D1DE9DD023FC}" type="presParOf" srcId="{1818116D-80AC-47E9-BA28-1A5535D3E656}" destId="{4179A10C-F309-474B-8435-C3D9F4302220}" srcOrd="1" destOrd="0" presId="urn:microsoft.com/office/officeart/2018/5/layout/IconLeafLabelList"/>
-    <dgm:cxn modelId="{425FE071-5B8C-48E1-9642-03A88C3E343F}" type="presParOf" srcId="{1818116D-80AC-47E9-BA28-1A5535D3E656}" destId="{94EBCD41-EBBE-4243-B0E2-DEFE01870525}" srcOrd="2" destOrd="0" presId="urn:microsoft.com/office/officeart/2018/5/layout/IconLeafLabelList"/>
-    <dgm:cxn modelId="{B4B0676A-7619-4ED7-98A6-D4D2E4FD5D33}" type="presParOf" srcId="{1818116D-80AC-47E9-BA28-1A5535D3E656}" destId="{0B36D190-6E65-4CA8-9AC0-4D19EAC333E1}" srcOrd="3" destOrd="0" presId="urn:microsoft.com/office/officeart/2018/5/layout/IconLeafLabelList"/>
-    <dgm:cxn modelId="{B2BB6A86-340E-4AD3-89A2-B1D2E138F474}" type="presParOf" srcId="{BC8DEB90-B121-4000-9478-BC034FB940C3}" destId="{CEABD146-0046-4BFD-9BB8-83BFE6C1090B}" srcOrd="1" destOrd="0" presId="urn:microsoft.com/office/officeart/2018/5/layout/IconLeafLabelList"/>
-    <dgm:cxn modelId="{BAD5DE1A-CE87-4E04-84AA-9DA6788E8598}" type="presParOf" srcId="{BC8DEB90-B121-4000-9478-BC034FB940C3}" destId="{B5DEF7ED-870F-4ADB-AA35-B6CDBDF93CE3}" srcOrd="2" destOrd="0" presId="urn:microsoft.com/office/officeart/2018/5/layout/IconLeafLabelList"/>
-    <dgm:cxn modelId="{2C22E641-3586-4702-9664-B24FFA73DE86}" type="presParOf" srcId="{B5DEF7ED-870F-4ADB-AA35-B6CDBDF93CE3}" destId="{CEF47B7D-E9B5-456C-BDA7-4DE5D915DB36}" srcOrd="0" destOrd="0" presId="urn:microsoft.com/office/officeart/2018/5/layout/IconLeafLabelList"/>
-    <dgm:cxn modelId="{E4F7075E-9A4C-4A1B-BC88-5ED3BEF9E7E6}" type="presParOf" srcId="{B5DEF7ED-870F-4ADB-AA35-B6CDBDF93CE3}" destId="{249FAD38-E47E-4CBE-845F-E3721304CD79}" srcOrd="1" destOrd="0" presId="urn:microsoft.com/office/officeart/2018/5/layout/IconLeafLabelList"/>
-    <dgm:cxn modelId="{ED97716C-EF8D-43AB-A620-16E89EAC163E}" type="presParOf" srcId="{B5DEF7ED-870F-4ADB-AA35-B6CDBDF93CE3}" destId="{09947766-8933-4A16-BD6D-2CB54D4FB7A1}" srcOrd="2" destOrd="0" presId="urn:microsoft.com/office/officeart/2018/5/layout/IconLeafLabelList"/>
-    <dgm:cxn modelId="{EA0428C4-E032-4D75-86DC-CBB8301C7827}" type="presParOf" srcId="{B5DEF7ED-870F-4ADB-AA35-B6CDBDF93CE3}" destId="{F1D4E3CB-59DB-4180-80D1-36D4AA068CA0}" srcOrd="3" destOrd="0" presId="urn:microsoft.com/office/officeart/2018/5/layout/IconLeafLabelList"/>
-    <dgm:cxn modelId="{050E860E-F7FA-499D-B998-194FADD23F40}" type="presParOf" srcId="{BC8DEB90-B121-4000-9478-BC034FB940C3}" destId="{3B83733A-76BF-4922-99F1-AE25EE84A80C}" srcOrd="3" destOrd="0" presId="urn:microsoft.com/office/officeart/2018/5/layout/IconLeafLabelList"/>
-    <dgm:cxn modelId="{58F08689-BE92-4A88-86CD-8037C597B0E9}" type="presParOf" srcId="{BC8DEB90-B121-4000-9478-BC034FB940C3}" destId="{E4EB86F7-3DD1-4439-AC2A-C2C918698501}" srcOrd="4" destOrd="0" presId="urn:microsoft.com/office/officeart/2018/5/layout/IconLeafLabelList"/>
-    <dgm:cxn modelId="{4F97FB0E-0F1C-401A-AC5B-8400364DDB7E}" type="presParOf" srcId="{E4EB86F7-3DD1-4439-AC2A-C2C918698501}" destId="{B2AB76BD-82A8-405F-96E1-D5A9EC10BFD3}" srcOrd="0" destOrd="0" presId="urn:microsoft.com/office/officeart/2018/5/layout/IconLeafLabelList"/>
-    <dgm:cxn modelId="{8D417E09-8AF7-4BDF-887A-CDB30484299A}" type="presParOf" srcId="{E4EB86F7-3DD1-4439-AC2A-C2C918698501}" destId="{7D62228B-2452-47FD-8036-B297C0493590}" srcOrd="1" destOrd="0" presId="urn:microsoft.com/office/officeart/2018/5/layout/IconLeafLabelList"/>
-    <dgm:cxn modelId="{5E290B97-CFCC-4B50-99C8-1E1163880921}" type="presParOf" srcId="{E4EB86F7-3DD1-4439-AC2A-C2C918698501}" destId="{452A8822-4297-48DF-86ED-204B6EC13F40}" srcOrd="2" destOrd="0" presId="urn:microsoft.com/office/officeart/2018/5/layout/IconLeafLabelList"/>
-    <dgm:cxn modelId="{1BF11A10-7D1A-415B-A711-8868E8087BE2}" type="presParOf" srcId="{E4EB86F7-3DD1-4439-AC2A-C2C918698501}" destId="{8BA8501F-1186-4E81-A651-35DADE024716}" srcOrd="3" destOrd="0" presId="urn:microsoft.com/office/officeart/2018/5/layout/IconLeafLabelList"/>
   </dgm:cxnLst>
   <dgm:bg/>
   <dgm:whole/>
@@ -2464,459 +1412,6 @@
       <dsp:txXfrm>
         <a:off x="5778914" y="2924702"/>
         <a:ext cx="3600000" cy="720000"/>
-      </dsp:txXfrm>
-    </dsp:sp>
-  </dsp:spTree>
-</dsp:drawing>
-</file>
-
-<file path=ppt/diagrams/drawing2.xml><?xml version="1.0" encoding="utf-8"?>
-<dsp:drawing xmlns:dgm="http://schemas.openxmlformats.org/drawingml/2006/diagram" xmlns:dsp="http://schemas.microsoft.com/office/drawing/2008/diagram" xmlns:a="http://schemas.openxmlformats.org/drawingml/2006/main">
-  <dsp:spTree>
-    <dsp:nvGrpSpPr>
-      <dsp:cNvPr id="0" name=""/>
-      <dsp:cNvGrpSpPr/>
-    </dsp:nvGrpSpPr>
-    <dsp:grpSpPr/>
-    <dsp:sp modelId="{FB1BA285-6E6C-4084-89A2-545D07A7F604}">
-      <dsp:nvSpPr>
-        <dsp:cNvPr id="0" name=""/>
-        <dsp:cNvSpPr/>
-      </dsp:nvSpPr>
-      <dsp:spPr>
-        <a:xfrm>
-          <a:off x="718664" y="453902"/>
-          <a:ext cx="1955812" cy="1955812"/>
-        </a:xfrm>
-        <a:prstGeom prst="round2DiagRect">
-          <a:avLst>
-            <a:gd name="adj1" fmla="val 29727"/>
-            <a:gd name="adj2" fmla="val 0"/>
-          </a:avLst>
-        </a:prstGeom>
-        <a:solidFill>
-          <a:schemeClr val="bg1">
-            <a:lumMod val="95000"/>
-            <a:hueOff val="0"/>
-            <a:satOff val="0"/>
-            <a:lumOff val="0"/>
-            <a:alphaOff val="0"/>
-          </a:schemeClr>
-        </a:solidFill>
-        <a:ln>
-          <a:noFill/>
-        </a:ln>
-        <a:effectLst/>
-      </dsp:spPr>
-      <dsp:style>
-        <a:lnRef idx="0">
-          <a:scrgbClr r="0" g="0" b="0"/>
-        </a:lnRef>
-        <a:fillRef idx="1">
-          <a:scrgbClr r="0" g="0" b="0"/>
-        </a:fillRef>
-        <a:effectRef idx="0">
-          <a:scrgbClr r="0" g="0" b="0"/>
-        </a:effectRef>
-        <a:fontRef idx="minor"/>
-      </dsp:style>
-    </dsp:sp>
-    <dsp:sp modelId="{4179A10C-F309-474B-8435-C3D9F4302220}">
-      <dsp:nvSpPr>
-        <dsp:cNvPr id="0" name=""/>
-        <dsp:cNvSpPr/>
-      </dsp:nvSpPr>
-      <dsp:spPr>
-        <a:xfrm>
-          <a:off x="1135476" y="870714"/>
-          <a:ext cx="1122187" cy="1122187"/>
-        </a:xfrm>
-        <a:prstGeom prst="rect">
-          <a:avLst/>
-        </a:prstGeom>
-        <a:solidFill>
-          <a:schemeClr val="accent1">
-            <a:hueOff val="0"/>
-            <a:satOff val="0"/>
-            <a:lumOff val="0"/>
-            <a:alphaOff val="0"/>
-          </a:schemeClr>
-        </a:solidFill>
-        <a:ln w="12700" cap="flat" cmpd="sng" algn="ctr">
-          <a:noFill/>
-          <a:prstDash val="solid"/>
-          <a:miter lim="800000"/>
-        </a:ln>
-        <a:effectLst/>
-      </dsp:spPr>
-      <dsp:style>
-        <a:lnRef idx="2">
-          <a:scrgbClr r="0" g="0" b="0"/>
-        </a:lnRef>
-        <a:fillRef idx="1">
-          <a:scrgbClr r="0" g="0" b="0"/>
-        </a:fillRef>
-        <a:effectRef idx="0">
-          <a:scrgbClr r="0" g="0" b="0"/>
-        </a:effectRef>
-        <a:fontRef idx="minor">
-          <a:schemeClr val="lt1"/>
-        </a:fontRef>
-      </dsp:style>
-    </dsp:sp>
-    <dsp:sp modelId="{0B36D190-6E65-4CA8-9AC0-4D19EAC333E1}">
-      <dsp:nvSpPr>
-        <dsp:cNvPr id="0" name=""/>
-        <dsp:cNvSpPr/>
-      </dsp:nvSpPr>
-      <dsp:spPr>
-        <a:xfrm>
-          <a:off x="93445" y="3018902"/>
-          <a:ext cx="3206250" cy="720000"/>
-        </a:xfrm>
-        <a:prstGeom prst="rect">
-          <a:avLst/>
-        </a:prstGeom>
-        <a:noFill/>
-        <a:ln>
-          <a:noFill/>
-        </a:ln>
-        <a:effectLst/>
-      </dsp:spPr>
-      <dsp:style>
-        <a:lnRef idx="0">
-          <a:scrgbClr r="0" g="0" b="0"/>
-        </a:lnRef>
-        <a:fillRef idx="0">
-          <a:scrgbClr r="0" g="0" b="0"/>
-        </a:fillRef>
-        <a:effectRef idx="0">
-          <a:scrgbClr r="0" g="0" b="0"/>
-        </a:effectRef>
-        <a:fontRef idx="minor"/>
-      </dsp:style>
-      <dsp:txBody>
-        <a:bodyPr spcFirstLastPara="0" vert="horz" wrap="square" lIns="0" tIns="0" rIns="0" bIns="0" numCol="1" spcCol="1270" anchor="t" anchorCtr="0">
-          <a:noAutofit/>
-        </a:bodyPr>
-        <a:lstStyle/>
-        <a:p>
-          <a:pPr marL="0" lvl="0" indent="0" algn="ctr" defTabSz="1066800">
-            <a:lnSpc>
-              <a:spcPct val="100000"/>
-            </a:lnSpc>
-            <a:spcBef>
-              <a:spcPct val="0"/>
-            </a:spcBef>
-            <a:spcAft>
-              <a:spcPct val="35000"/>
-            </a:spcAft>
-            <a:buNone/>
-            <a:defRPr cap="all"/>
-          </a:pPr>
-          <a:r>
-            <a:rPr lang="en-US" sz="2400" kern="1200"/>
-            <a:t>Setup the initial project environment.</a:t>
-          </a:r>
-        </a:p>
-      </dsp:txBody>
-      <dsp:txXfrm>
-        <a:off x="93445" y="3018902"/>
-        <a:ext cx="3206250" cy="720000"/>
-      </dsp:txXfrm>
-    </dsp:sp>
-    <dsp:sp modelId="{CEF47B7D-E9B5-456C-BDA7-4DE5D915DB36}">
-      <dsp:nvSpPr>
-        <dsp:cNvPr id="0" name=""/>
-        <dsp:cNvSpPr/>
-      </dsp:nvSpPr>
-      <dsp:spPr>
-        <a:xfrm>
-          <a:off x="4486008" y="453902"/>
-          <a:ext cx="1955812" cy="1955812"/>
-        </a:xfrm>
-        <a:prstGeom prst="round2DiagRect">
-          <a:avLst>
-            <a:gd name="adj1" fmla="val 29727"/>
-            <a:gd name="adj2" fmla="val 0"/>
-          </a:avLst>
-        </a:prstGeom>
-        <a:solidFill>
-          <a:schemeClr val="bg1">
-            <a:lumMod val="95000"/>
-            <a:hueOff val="0"/>
-            <a:satOff val="0"/>
-            <a:lumOff val="0"/>
-            <a:alphaOff val="0"/>
-          </a:schemeClr>
-        </a:solidFill>
-        <a:ln>
-          <a:noFill/>
-        </a:ln>
-        <a:effectLst/>
-      </dsp:spPr>
-      <dsp:style>
-        <a:lnRef idx="0">
-          <a:scrgbClr r="0" g="0" b="0"/>
-        </a:lnRef>
-        <a:fillRef idx="1">
-          <a:scrgbClr r="0" g="0" b="0"/>
-        </a:fillRef>
-        <a:effectRef idx="0">
-          <a:scrgbClr r="0" g="0" b="0"/>
-        </a:effectRef>
-        <a:fontRef idx="minor"/>
-      </dsp:style>
-    </dsp:sp>
-    <dsp:sp modelId="{249FAD38-E47E-4CBE-845F-E3721304CD79}">
-      <dsp:nvSpPr>
-        <dsp:cNvPr id="0" name=""/>
-        <dsp:cNvSpPr/>
-      </dsp:nvSpPr>
-      <dsp:spPr>
-        <a:xfrm>
-          <a:off x="4902820" y="870714"/>
-          <a:ext cx="1122187" cy="1122187"/>
-        </a:xfrm>
-        <a:prstGeom prst="rect">
-          <a:avLst/>
-        </a:prstGeom>
-        <a:solidFill>
-          <a:schemeClr val="accent1">
-            <a:hueOff val="0"/>
-            <a:satOff val="0"/>
-            <a:lumOff val="0"/>
-            <a:alphaOff val="0"/>
-          </a:schemeClr>
-        </a:solidFill>
-        <a:ln w="12700" cap="flat" cmpd="sng" algn="ctr">
-          <a:noFill/>
-          <a:prstDash val="solid"/>
-          <a:miter lim="800000"/>
-        </a:ln>
-        <a:effectLst/>
-      </dsp:spPr>
-      <dsp:style>
-        <a:lnRef idx="2">
-          <a:scrgbClr r="0" g="0" b="0"/>
-        </a:lnRef>
-        <a:fillRef idx="1">
-          <a:scrgbClr r="0" g="0" b="0"/>
-        </a:fillRef>
-        <a:effectRef idx="0">
-          <a:scrgbClr r="0" g="0" b="0"/>
-        </a:effectRef>
-        <a:fontRef idx="minor">
-          <a:schemeClr val="lt1"/>
-        </a:fontRef>
-      </dsp:style>
-    </dsp:sp>
-    <dsp:sp modelId="{F1D4E3CB-59DB-4180-80D1-36D4AA068CA0}">
-      <dsp:nvSpPr>
-        <dsp:cNvPr id="0" name=""/>
-        <dsp:cNvSpPr/>
-      </dsp:nvSpPr>
-      <dsp:spPr>
-        <a:xfrm>
-          <a:off x="3860789" y="3018902"/>
-          <a:ext cx="3206250" cy="720000"/>
-        </a:xfrm>
-        <a:prstGeom prst="rect">
-          <a:avLst/>
-        </a:prstGeom>
-        <a:noFill/>
-        <a:ln>
-          <a:noFill/>
-        </a:ln>
-        <a:effectLst/>
-      </dsp:spPr>
-      <dsp:style>
-        <a:lnRef idx="0">
-          <a:scrgbClr r="0" g="0" b="0"/>
-        </a:lnRef>
-        <a:fillRef idx="0">
-          <a:scrgbClr r="0" g="0" b="0"/>
-        </a:fillRef>
-        <a:effectRef idx="0">
-          <a:scrgbClr r="0" g="0" b="0"/>
-        </a:effectRef>
-        <a:fontRef idx="minor"/>
-      </dsp:style>
-      <dsp:txBody>
-        <a:bodyPr spcFirstLastPara="0" vert="horz" wrap="square" lIns="0" tIns="0" rIns="0" bIns="0" numCol="1" spcCol="1270" anchor="t" anchorCtr="0">
-          <a:noAutofit/>
-        </a:bodyPr>
-        <a:lstStyle/>
-        <a:p>
-          <a:pPr marL="0" lvl="0" indent="0" algn="ctr" defTabSz="1066800">
-            <a:lnSpc>
-              <a:spcPct val="100000"/>
-            </a:lnSpc>
-            <a:spcBef>
-              <a:spcPct val="0"/>
-            </a:spcBef>
-            <a:spcAft>
-              <a:spcPct val="35000"/>
-            </a:spcAft>
-            <a:buNone/>
-            <a:defRPr cap="all"/>
-          </a:pPr>
-          <a:r>
-            <a:rPr lang="en-US" sz="2400" kern="1200"/>
-            <a:t>Add some functional requirement.</a:t>
-          </a:r>
-        </a:p>
-      </dsp:txBody>
-      <dsp:txXfrm>
-        <a:off x="3860789" y="3018902"/>
-        <a:ext cx="3206250" cy="720000"/>
-      </dsp:txXfrm>
-    </dsp:sp>
-    <dsp:sp modelId="{B2AB76BD-82A8-405F-96E1-D5A9EC10BFD3}">
-      <dsp:nvSpPr>
-        <dsp:cNvPr id="0" name=""/>
-        <dsp:cNvSpPr/>
-      </dsp:nvSpPr>
-      <dsp:spPr>
-        <a:xfrm>
-          <a:off x="8253352" y="453902"/>
-          <a:ext cx="1955812" cy="1955812"/>
-        </a:xfrm>
-        <a:prstGeom prst="round2DiagRect">
-          <a:avLst>
-            <a:gd name="adj1" fmla="val 29727"/>
-            <a:gd name="adj2" fmla="val 0"/>
-          </a:avLst>
-        </a:prstGeom>
-        <a:solidFill>
-          <a:schemeClr val="bg1">
-            <a:lumMod val="95000"/>
-            <a:hueOff val="0"/>
-            <a:satOff val="0"/>
-            <a:lumOff val="0"/>
-            <a:alphaOff val="0"/>
-          </a:schemeClr>
-        </a:solidFill>
-        <a:ln>
-          <a:noFill/>
-        </a:ln>
-        <a:effectLst/>
-      </dsp:spPr>
-      <dsp:style>
-        <a:lnRef idx="0">
-          <a:scrgbClr r="0" g="0" b="0"/>
-        </a:lnRef>
-        <a:fillRef idx="1">
-          <a:scrgbClr r="0" g="0" b="0"/>
-        </a:fillRef>
-        <a:effectRef idx="0">
-          <a:scrgbClr r="0" g="0" b="0"/>
-        </a:effectRef>
-        <a:fontRef idx="minor"/>
-      </dsp:style>
-    </dsp:sp>
-    <dsp:sp modelId="{7D62228B-2452-47FD-8036-B297C0493590}">
-      <dsp:nvSpPr>
-        <dsp:cNvPr id="0" name=""/>
-        <dsp:cNvSpPr/>
-      </dsp:nvSpPr>
-      <dsp:spPr>
-        <a:xfrm>
-          <a:off x="8670164" y="870714"/>
-          <a:ext cx="1122187" cy="1122187"/>
-        </a:xfrm>
-        <a:prstGeom prst="rect">
-          <a:avLst/>
-        </a:prstGeom>
-        <a:solidFill>
-          <a:schemeClr val="accent1">
-            <a:hueOff val="0"/>
-            <a:satOff val="0"/>
-            <a:lumOff val="0"/>
-            <a:alphaOff val="0"/>
-          </a:schemeClr>
-        </a:solidFill>
-        <a:ln w="12700" cap="flat" cmpd="sng" algn="ctr">
-          <a:noFill/>
-          <a:prstDash val="solid"/>
-          <a:miter lim="800000"/>
-        </a:ln>
-        <a:effectLst/>
-      </dsp:spPr>
-      <dsp:style>
-        <a:lnRef idx="2">
-          <a:scrgbClr r="0" g="0" b="0"/>
-        </a:lnRef>
-        <a:fillRef idx="1">
-          <a:scrgbClr r="0" g="0" b="0"/>
-        </a:fillRef>
-        <a:effectRef idx="0">
-          <a:scrgbClr r="0" g="0" b="0"/>
-        </a:effectRef>
-        <a:fontRef idx="minor">
-          <a:schemeClr val="lt1"/>
-        </a:fontRef>
-      </dsp:style>
-    </dsp:sp>
-    <dsp:sp modelId="{8BA8501F-1186-4E81-A651-35DADE024716}">
-      <dsp:nvSpPr>
-        <dsp:cNvPr id="0" name=""/>
-        <dsp:cNvSpPr/>
-      </dsp:nvSpPr>
-      <dsp:spPr>
-        <a:xfrm>
-          <a:off x="7628133" y="3018902"/>
-          <a:ext cx="3206250" cy="720000"/>
-        </a:xfrm>
-        <a:prstGeom prst="rect">
-          <a:avLst/>
-        </a:prstGeom>
-        <a:noFill/>
-        <a:ln>
-          <a:noFill/>
-        </a:ln>
-        <a:effectLst/>
-      </dsp:spPr>
-      <dsp:style>
-        <a:lnRef idx="0">
-          <a:scrgbClr r="0" g="0" b="0"/>
-        </a:lnRef>
-        <a:fillRef idx="0">
-          <a:scrgbClr r="0" g="0" b="0"/>
-        </a:fillRef>
-        <a:effectRef idx="0">
-          <a:scrgbClr r="0" g="0" b="0"/>
-        </a:effectRef>
-        <a:fontRef idx="minor"/>
-      </dsp:style>
-      <dsp:txBody>
-        <a:bodyPr spcFirstLastPara="0" vert="horz" wrap="square" lIns="0" tIns="0" rIns="0" bIns="0" numCol="1" spcCol="1270" anchor="t" anchorCtr="0">
-          <a:noAutofit/>
-        </a:bodyPr>
-        <a:lstStyle/>
-        <a:p>
-          <a:pPr marL="0" lvl="0" indent="0" algn="ctr" defTabSz="1066800">
-            <a:lnSpc>
-              <a:spcPct val="100000"/>
-            </a:lnSpc>
-            <a:spcBef>
-              <a:spcPct val="0"/>
-            </a:spcBef>
-            <a:spcAft>
-              <a:spcPct val="35000"/>
-            </a:spcAft>
-            <a:buNone/>
-            <a:defRPr cap="all"/>
-          </a:pPr>
-          <a:r>
-            <a:rPr lang="en-US" sz="2400" kern="1200" dirty="0"/>
-            <a:t>Do research question 1.</a:t>
-          </a:r>
-        </a:p>
-      </dsp:txBody>
-      <dsp:txXfrm>
-        <a:off x="7628133" y="3018902"/>
-        <a:ext cx="3206250" cy="720000"/>
       </dsp:txXfrm>
     </dsp:sp>
   </dsp:spTree>
@@ -3138,1268 +1633,7 @@
 </dgm:layoutDef>
 </file>
 
-<file path=ppt/diagrams/layout2.xml><?xml version="1.0" encoding="utf-8"?>
-<dgm:layoutDef xmlns:dgm="http://schemas.openxmlformats.org/drawingml/2006/diagram" xmlns:a="http://schemas.openxmlformats.org/drawingml/2006/main" uniqueId="urn:microsoft.com/office/officeart/2018/5/layout/IconLeafLabelList">
-  <dgm:title val="Icon Leaf Label List"/>
-  <dgm:desc val="Use to show non-sequential or grouped chunks of information accompanied by a related visuals. Works best with icons or small pictures with short text captions."/>
-  <dgm:catLst>
-    <dgm:cat type="icon" pri="500"/>
-  </dgm:catLst>
-  <dgm:sampData useDef="1">
-    <dgm:dataModel>
-      <dgm:ptLst/>
-      <dgm:bg/>
-      <dgm:whole/>
-    </dgm:dataModel>
-  </dgm:sampData>
-  <dgm:styleData useDef="1">
-    <dgm:dataModel>
-      <dgm:ptLst/>
-      <dgm:bg/>
-      <dgm:whole/>
-    </dgm:dataModel>
-  </dgm:styleData>
-  <dgm:clrData useDef="1">
-    <dgm:dataModel>
-      <dgm:ptLst/>
-      <dgm:bg/>
-      <dgm:whole/>
-    </dgm:dataModel>
-  </dgm:clrData>
-  <dgm:layoutNode name="root">
-    <dgm:varLst>
-      <dgm:dir/>
-      <dgm:resizeHandles val="exact"/>
-    </dgm:varLst>
-    <dgm:choose name="Name0">
-      <dgm:if name="Name1" axis="self" func="var" arg="dir" op="equ" val="norm">
-        <dgm:alg type="snake">
-          <dgm:param type="grDir" val="tL"/>
-          <dgm:param type="flowDir" val="row"/>
-          <dgm:param type="contDir" val="sameDir"/>
-          <dgm:param type="off" val="ctr"/>
-          <dgm:param type="vertAlign" val="mid"/>
-          <dgm:param type="horzAlign" val="ctr"/>
-        </dgm:alg>
-      </dgm:if>
-      <dgm:else name="Name2">
-        <dgm:alg type="snake">
-          <dgm:param type="grDir" val="tR"/>
-          <dgm:param type="flowDir" val="row"/>
-          <dgm:param type="contDir" val="sameDir"/>
-          <dgm:param type="off" val="ctr"/>
-          <dgm:param type="vertAlign" val="mid"/>
-          <dgm:param type="horzAlign" val="ctr"/>
-        </dgm:alg>
-      </dgm:else>
-    </dgm:choose>
-    <dgm:shape xmlns:r="http://schemas.openxmlformats.org/officeDocument/2006/relationships" r:blip="">
-      <dgm:adjLst/>
-    </dgm:shape>
-    <dgm:presOf/>
-    <dgm:choose name="Name3">
-      <dgm:if name="Name4" axis="ch" ptType="node" func="cnt" op="lte" val="2">
-        <dgm:constrLst>
-          <dgm:constr type="h" for="ch" forName="compNode" refType="h" fact="0.4"/>
-          <dgm:constr type="w" for="ch" forName="compNode" val="100"/>
-          <dgm:constr type="w" for="ch" forName="sibTrans" refType="w" refFor="ch" refForName="compNode" fact="0.175"/>
-          <dgm:constr type="sp" refType="w" refFor="ch" refForName="compNode" op="equ" fact="0.25"/>
-          <dgm:constr type="primFontSz" for="des" ptType="node" op="equ" val="44"/>
-          <dgm:constr type="h" for="des" forName="compNode" op="equ"/>
-          <dgm:constr type="h" for="des" forName="textRect" op="equ"/>
-        </dgm:constrLst>
-      </dgm:if>
-      <dgm:if name="Name5" axis="ch" ptType="node" func="cnt" op="lte" val="3">
-        <dgm:constrLst>
-          <dgm:constr type="h" for="ch" forName="compNode" refType="h" fact="0.4"/>
-          <dgm:constr type="w" for="ch" forName="compNode" val="100"/>
-          <dgm:constr type="w" for="ch" forName="sibTrans" refType="w" refFor="ch" refForName="compNode" fact="0.175"/>
-          <dgm:constr type="sp" refType="w" refFor="ch" refForName="compNode" op="equ" fact="0.25"/>
-          <dgm:constr type="primFontSz" for="des" ptType="node" op="equ" val="40"/>
-          <dgm:constr type="h" for="des" forName="compNode" op="equ"/>
-          <dgm:constr type="h" for="des" forName="textRect" op="equ"/>
-        </dgm:constrLst>
-      </dgm:if>
-      <dgm:if name="Name6" axis="ch" ptType="node" func="cnt" op="lte" val="4">
-        <dgm:constrLst>
-          <dgm:constr type="h" for="ch" forName="compNode" refType="h" fact="0.4"/>
-          <dgm:constr type="w" for="ch" forName="compNode" refType="w"/>
-          <dgm:constr type="w" for="ch" forName="sibTrans" refType="w" refFor="ch" refForName="compNode" fact="0.175"/>
-          <dgm:constr type="sp" refType="w" refFor="ch" refForName="compNode" op="equ" fact="0.25"/>
-          <dgm:constr type="primFontSz" for="des" ptType="node" op="equ" val="32"/>
-          <dgm:constr type="h" for="des" forName="compNode" op="equ"/>
-          <dgm:constr type="h" for="des" forName="textRect" op="equ"/>
-        </dgm:constrLst>
-      </dgm:if>
-      <dgm:else name="Name7">
-        <dgm:constrLst>
-          <dgm:constr type="h" for="ch" forName="compNode" refType="h" fact="0.4"/>
-          <dgm:constr type="w" for="ch" forName="compNode" refType="w"/>
-          <dgm:constr type="w" for="ch" forName="sibTrans" refType="w" refFor="ch" refForName="compNode" fact="0.175"/>
-          <dgm:constr type="sp" refType="w" refFor="ch" refForName="compNode" op="equ" fact="0.25"/>
-          <dgm:constr type="primFontSz" for="des" ptType="node" op="equ" val="24"/>
-          <dgm:constr type="h" for="des" forName="compNode" op="equ"/>
-          <dgm:constr type="h" for="des" forName="textRect" op="equ"/>
-        </dgm:constrLst>
-      </dgm:else>
-    </dgm:choose>
-    <dgm:ruleLst>
-      <dgm:rule type="w" for="ch" forName="compNode" val="50" fact="NaN" max="NaN"/>
-    </dgm:ruleLst>
-    <dgm:forEach name="Name8" axis="ch" ptType="node">
-      <dgm:layoutNode name="compNode">
-        <dgm:alg type="composite"/>
-        <dgm:shape xmlns:r="http://schemas.openxmlformats.org/officeDocument/2006/relationships" r:blip="">
-          <dgm:adjLst/>
-        </dgm:shape>
-        <dgm:presOf axis="self"/>
-        <dgm:constrLst>
-          <dgm:constr type="w" for="ch" forName="iconBgRect" refType="w" fact="0.61"/>
-          <dgm:constr type="h" for="ch" forName="iconBgRect" refType="w" refFor="ch" refForName="iconBgRect"/>
-          <dgm:constr type="t" for="ch" forName="iconBgRect"/>
-          <dgm:constr type="ctrX" for="ch" forName="iconBgRect" refType="w" fact="0.5"/>
-          <dgm:constr type="w" for="ch" forName="iconRect" refType="w" fact="0.35"/>
-          <dgm:constr type="h" for="ch" forName="iconRect" refType="w" refFor="ch" refForName="iconRect"/>
-          <dgm:constr type="ctrX" for="ch" forName="iconRect" refType="ctrX" refFor="ch" refForName="iconBgRect"/>
-          <dgm:constr type="ctrY" for="ch" forName="iconRect" refType="ctrY" refFor="ch" refForName="iconBgRect"/>
-          <dgm:constr type="h" for="ch" forName="spaceRect" refType="w" fact="0.19"/>
-          <dgm:constr type="w" for="ch" forName="spaceRect" refType="w"/>
-          <dgm:constr type="l" for="ch" forName="spaceRect"/>
-          <dgm:constr type="t" for="ch" forName="spaceRect" refType="b" refFor="ch" refForName="iconBgRect"/>
-          <dgm:constr type="h" for="ch" forName="textRect" val="20"/>
-          <dgm:constr type="w" for="ch" forName="textRect" refType="w"/>
-          <dgm:constr type="l" for="ch" forName="textRect"/>
-          <dgm:constr type="t" for="ch" forName="textRect" refType="b" refFor="ch" refForName="spaceRect"/>
-        </dgm:constrLst>
-        <dgm:ruleLst>
-          <dgm:rule type="h" val="INF" fact="NaN" max="NaN"/>
-        </dgm:ruleLst>
-        <dgm:layoutNode name="iconBgRect" styleLbl="bgShp">
-          <dgm:alg type="sp"/>
-          <dgm:shape xmlns:r="http://schemas.openxmlformats.org/officeDocument/2006/relationships" type="round2DiagRect" r:blip="">
-            <dgm:adjLst/>
-            <dgm:extLst>
-              <a:ext uri="{B698B0E9-8C71-41B9-8309-B3DCBF30829C}">
-                <dgm1612:spPr xmlns:dgm1612="http://schemas.microsoft.com/office/drawing/2016/12/diagram">
-                  <a:prstGeom prst="round2DiagRect">
-                    <a:avLst>
-                      <a:gd name="adj1" fmla="val 29727"/>
-                      <a:gd name="adj2" fmla="val 0"/>
-                    </a:avLst>
-                  </a:prstGeom>
-                </dgm1612:spPr>
-              </a:ext>
-            </dgm:extLst>
-          </dgm:shape>
-          <dgm:presOf/>
-          <dgm:constrLst/>
-          <dgm:ruleLst/>
-        </dgm:layoutNode>
-        <dgm:layoutNode name="iconRect" styleLbl="node1">
-          <dgm:alg type="sp"/>
-          <dgm:shape xmlns:r="http://schemas.openxmlformats.org/officeDocument/2006/relationships" type="rect" r:blip="" blipPhldr="1">
-            <dgm:adjLst/>
-          </dgm:shape>
-          <dgm:presOf/>
-          <dgm:constrLst/>
-          <dgm:ruleLst/>
-        </dgm:layoutNode>
-        <dgm:layoutNode name="spaceRect">
-          <dgm:alg type="sp"/>
-          <dgm:shape xmlns:r="http://schemas.openxmlformats.org/officeDocument/2006/relationships" r:blip="">
-            <dgm:adjLst/>
-          </dgm:shape>
-          <dgm:presOf/>
-          <dgm:constrLst/>
-          <dgm:ruleLst/>
-        </dgm:layoutNode>
-        <dgm:layoutNode name="textRect" styleLbl="revTx">
-          <dgm:varLst>
-            <dgm:chMax val="1"/>
-            <dgm:chPref val="1"/>
-          </dgm:varLst>
-          <dgm:alg type="tx">
-            <dgm:param type="txAnchorVert" val="t"/>
-          </dgm:alg>
-          <dgm:shape xmlns:r="http://schemas.openxmlformats.org/officeDocument/2006/relationships" type="rect" r:blip="">
-            <dgm:adjLst/>
-          </dgm:shape>
-          <dgm:presOf axis="self" ptType="node"/>
-          <dgm:constrLst>
-            <dgm:constr type="lMarg"/>
-            <dgm:constr type="rMarg"/>
-            <dgm:constr type="tMarg"/>
-            <dgm:constr type="bMarg"/>
-          </dgm:constrLst>
-          <dgm:ruleLst>
-            <dgm:rule type="primFontSz" val="11" fact="NaN" max="NaN"/>
-            <dgm:rule type="h" val="INF" fact="NaN" max="NaN"/>
-          </dgm:ruleLst>
-        </dgm:layoutNode>
-      </dgm:layoutNode>
-      <dgm:forEach name="Name9" axis="followSib" ptType="sibTrans" cnt="1">
-        <dgm:layoutNode name="sibTrans">
-          <dgm:alg type="sp"/>
-          <dgm:shape xmlns:r="http://schemas.openxmlformats.org/officeDocument/2006/relationships" r:blip="">
-            <dgm:adjLst/>
-          </dgm:shape>
-          <dgm:presOf axis="self"/>
-          <dgm:constrLst/>
-          <dgm:ruleLst/>
-        </dgm:layoutNode>
-      </dgm:forEach>
-    </dgm:forEach>
-  </dgm:layoutNode>
-  <dgm:extLst>
-    <a:ext uri="{68A01E43-0DF5-4B5B-8FA6-DAF915123BFB}">
-      <dgm1612:lstStyle xmlns:dgm1612="http://schemas.microsoft.com/office/drawing/2016/12/diagram">
-        <a:lvl1pPr>
-          <a:lnSpc>
-            <a:spcPct val="100000"/>
-          </a:lnSpc>
-          <a:defRPr cap="all"/>
-        </a:lvl1pPr>
-      </dgm1612:lstStyle>
-    </a:ext>
-  </dgm:extLst>
-</dgm:layoutDef>
-</file>
-
 <file path=ppt/diagrams/quickStyle1.xml><?xml version="1.0" encoding="utf-8"?>
-<dgm:styleDef xmlns:dgm="http://schemas.openxmlformats.org/drawingml/2006/diagram" xmlns:a="http://schemas.openxmlformats.org/drawingml/2006/main" uniqueId="urn:microsoft.com/office/officeart/2005/8/quickstyle/simple1">
-  <dgm:title val=""/>
-  <dgm:desc val=""/>
-  <dgm:catLst>
-    <dgm:cat type="simple" pri="10100"/>
-  </dgm:catLst>
-  <dgm:scene3d>
-    <a:camera prst="orthographicFront"/>
-    <a:lightRig rig="threePt" dir="t"/>
-  </dgm:scene3d>
-  <dgm:styleLbl name="node0">
-    <dgm:scene3d>
-      <a:camera prst="orthographicFront"/>
-      <a:lightRig rig="threePt" dir="t"/>
-    </dgm:scene3d>
-    <dgm:sp3d/>
-    <dgm:txPr/>
-    <dgm:style>
-      <a:lnRef idx="2">
-        <a:scrgbClr r="0" g="0" b="0"/>
-      </a:lnRef>
-      <a:fillRef idx="1">
-        <a:scrgbClr r="0" g="0" b="0"/>
-      </a:fillRef>
-      <a:effectRef idx="0">
-        <a:scrgbClr r="0" g="0" b="0"/>
-      </a:effectRef>
-      <a:fontRef idx="minor">
-        <a:schemeClr val="lt1"/>
-      </a:fontRef>
-    </dgm:style>
-  </dgm:styleLbl>
-  <dgm:styleLbl name="lnNode1">
-    <dgm:scene3d>
-      <a:camera prst="orthographicFront"/>
-      <a:lightRig rig="threePt" dir="t"/>
-    </dgm:scene3d>
-    <dgm:sp3d/>
-    <dgm:txPr/>
-    <dgm:style>
-      <a:lnRef idx="2">
-        <a:scrgbClr r="0" g="0" b="0"/>
-      </a:lnRef>
-      <a:fillRef idx="1">
-        <a:scrgbClr r="0" g="0" b="0"/>
-      </a:fillRef>
-      <a:effectRef idx="0">
-        <a:scrgbClr r="0" g="0" b="0"/>
-      </a:effectRef>
-      <a:fontRef idx="minor">
-        <a:schemeClr val="lt1"/>
-      </a:fontRef>
-    </dgm:style>
-  </dgm:styleLbl>
-  <dgm:styleLbl name="vennNode1">
-    <dgm:scene3d>
-      <a:camera prst="orthographicFront"/>
-      <a:lightRig rig="threePt" dir="t"/>
-    </dgm:scene3d>
-    <dgm:sp3d/>
-    <dgm:txPr/>
-    <dgm:style>
-      <a:lnRef idx="2">
-        <a:scrgbClr r="0" g="0" b="0"/>
-      </a:lnRef>
-      <a:fillRef idx="1">
-        <a:scrgbClr r="0" g="0" b="0"/>
-      </a:fillRef>
-      <a:effectRef idx="0">
-        <a:scrgbClr r="0" g="0" b="0"/>
-      </a:effectRef>
-      <a:fontRef idx="minor">
-        <a:schemeClr val="tx1"/>
-      </a:fontRef>
-    </dgm:style>
-  </dgm:styleLbl>
-  <dgm:styleLbl name="alignNode1">
-    <dgm:scene3d>
-      <a:camera prst="orthographicFront"/>
-      <a:lightRig rig="threePt" dir="t"/>
-    </dgm:scene3d>
-    <dgm:sp3d/>
-    <dgm:txPr/>
-    <dgm:style>
-      <a:lnRef idx="2">
-        <a:scrgbClr r="0" g="0" b="0"/>
-      </a:lnRef>
-      <a:fillRef idx="1">
-        <a:scrgbClr r="0" g="0" b="0"/>
-      </a:fillRef>
-      <a:effectRef idx="0">
-        <a:scrgbClr r="0" g="0" b="0"/>
-      </a:effectRef>
-      <a:fontRef idx="minor">
-        <a:schemeClr val="lt1"/>
-      </a:fontRef>
-    </dgm:style>
-  </dgm:styleLbl>
-  <dgm:styleLbl name="node1">
-    <dgm:scene3d>
-      <a:camera prst="orthographicFront"/>
-      <a:lightRig rig="threePt" dir="t"/>
-    </dgm:scene3d>
-    <dgm:sp3d/>
-    <dgm:txPr/>
-    <dgm:style>
-      <a:lnRef idx="2">
-        <a:scrgbClr r="0" g="0" b="0"/>
-      </a:lnRef>
-      <a:fillRef idx="1">
-        <a:scrgbClr r="0" g="0" b="0"/>
-      </a:fillRef>
-      <a:effectRef idx="0">
-        <a:scrgbClr r="0" g="0" b="0"/>
-      </a:effectRef>
-      <a:fontRef idx="minor">
-        <a:schemeClr val="lt1"/>
-      </a:fontRef>
-    </dgm:style>
-  </dgm:styleLbl>
-  <dgm:styleLbl name="node2">
-    <dgm:scene3d>
-      <a:camera prst="orthographicFront"/>
-      <a:lightRig rig="threePt" dir="t"/>
-    </dgm:scene3d>
-    <dgm:sp3d/>
-    <dgm:txPr/>
-    <dgm:style>
-      <a:lnRef idx="2">
-        <a:scrgbClr r="0" g="0" b="0"/>
-      </a:lnRef>
-      <a:fillRef idx="1">
-        <a:scrgbClr r="0" g="0" b="0"/>
-      </a:fillRef>
-      <a:effectRef idx="0">
-        <a:scrgbClr r="0" g="0" b="0"/>
-      </a:effectRef>
-      <a:fontRef idx="minor">
-        <a:schemeClr val="lt1"/>
-      </a:fontRef>
-    </dgm:style>
-  </dgm:styleLbl>
-  <dgm:styleLbl name="node3">
-    <dgm:scene3d>
-      <a:camera prst="orthographicFront"/>
-      <a:lightRig rig="threePt" dir="t"/>
-    </dgm:scene3d>
-    <dgm:sp3d/>
-    <dgm:txPr/>
-    <dgm:style>
-      <a:lnRef idx="2">
-        <a:scrgbClr r="0" g="0" b="0"/>
-      </a:lnRef>
-      <a:fillRef idx="1">
-        <a:scrgbClr r="0" g="0" b="0"/>
-      </a:fillRef>
-      <a:effectRef idx="0">
-        <a:scrgbClr r="0" g="0" b="0"/>
-      </a:effectRef>
-      <a:fontRef idx="minor">
-        <a:schemeClr val="lt1"/>
-      </a:fontRef>
-    </dgm:style>
-  </dgm:styleLbl>
-  <dgm:styleLbl name="node4">
-    <dgm:scene3d>
-      <a:camera prst="orthographicFront"/>
-      <a:lightRig rig="threePt" dir="t"/>
-    </dgm:scene3d>
-    <dgm:sp3d/>
-    <dgm:txPr/>
-    <dgm:style>
-      <a:lnRef idx="2">
-        <a:scrgbClr r="0" g="0" b="0"/>
-      </a:lnRef>
-      <a:fillRef idx="1">
-        <a:scrgbClr r="0" g="0" b="0"/>
-      </a:fillRef>
-      <a:effectRef idx="0">
-        <a:scrgbClr r="0" g="0" b="0"/>
-      </a:effectRef>
-      <a:fontRef idx="minor">
-        <a:schemeClr val="lt1"/>
-      </a:fontRef>
-    </dgm:style>
-  </dgm:styleLbl>
-  <dgm:styleLbl name="fgImgPlace1">
-    <dgm:scene3d>
-      <a:camera prst="orthographicFront"/>
-      <a:lightRig rig="threePt" dir="t"/>
-    </dgm:scene3d>
-    <dgm:sp3d/>
-    <dgm:txPr/>
-    <dgm:style>
-      <a:lnRef idx="2">
-        <a:scrgbClr r="0" g="0" b="0"/>
-      </a:lnRef>
-      <a:fillRef idx="1">
-        <a:scrgbClr r="0" g="0" b="0"/>
-      </a:fillRef>
-      <a:effectRef idx="0">
-        <a:scrgbClr r="0" g="0" b="0"/>
-      </a:effectRef>
-      <a:fontRef idx="minor"/>
-    </dgm:style>
-  </dgm:styleLbl>
-  <dgm:styleLbl name="alignImgPlace1">
-    <dgm:scene3d>
-      <a:camera prst="orthographicFront"/>
-      <a:lightRig rig="threePt" dir="t"/>
-    </dgm:scene3d>
-    <dgm:sp3d/>
-    <dgm:txPr/>
-    <dgm:style>
-      <a:lnRef idx="2">
-        <a:scrgbClr r="0" g="0" b="0"/>
-      </a:lnRef>
-      <a:fillRef idx="1">
-        <a:scrgbClr r="0" g="0" b="0"/>
-      </a:fillRef>
-      <a:effectRef idx="0">
-        <a:scrgbClr r="0" g="0" b="0"/>
-      </a:effectRef>
-      <a:fontRef idx="minor"/>
-    </dgm:style>
-  </dgm:styleLbl>
-  <dgm:styleLbl name="bgImgPlace1">
-    <dgm:scene3d>
-      <a:camera prst="orthographicFront"/>
-      <a:lightRig rig="threePt" dir="t"/>
-    </dgm:scene3d>
-    <dgm:sp3d/>
-    <dgm:txPr/>
-    <dgm:style>
-      <a:lnRef idx="2">
-        <a:scrgbClr r="0" g="0" b="0"/>
-      </a:lnRef>
-      <a:fillRef idx="1">
-        <a:scrgbClr r="0" g="0" b="0"/>
-      </a:fillRef>
-      <a:effectRef idx="0">
-        <a:scrgbClr r="0" g="0" b="0"/>
-      </a:effectRef>
-      <a:fontRef idx="minor"/>
-    </dgm:style>
-  </dgm:styleLbl>
-  <dgm:styleLbl name="sibTrans2D1">
-    <dgm:scene3d>
-      <a:camera prst="orthographicFront"/>
-      <a:lightRig rig="threePt" dir="t"/>
-    </dgm:scene3d>
-    <dgm:sp3d/>
-    <dgm:txPr/>
-    <dgm:style>
-      <a:lnRef idx="0">
-        <a:scrgbClr r="0" g="0" b="0"/>
-      </a:lnRef>
-      <a:fillRef idx="1">
-        <a:scrgbClr r="0" g="0" b="0"/>
-      </a:fillRef>
-      <a:effectRef idx="0">
-        <a:scrgbClr r="0" g="0" b="0"/>
-      </a:effectRef>
-      <a:fontRef idx="minor">
-        <a:schemeClr val="lt1"/>
-      </a:fontRef>
-    </dgm:style>
-  </dgm:styleLbl>
-  <dgm:styleLbl name="fgSibTrans2D1">
-    <dgm:scene3d>
-      <a:camera prst="orthographicFront"/>
-      <a:lightRig rig="threePt" dir="t"/>
-    </dgm:scene3d>
-    <dgm:sp3d/>
-    <dgm:txPr/>
-    <dgm:style>
-      <a:lnRef idx="0">
-        <a:scrgbClr r="0" g="0" b="0"/>
-      </a:lnRef>
-      <a:fillRef idx="1">
-        <a:scrgbClr r="0" g="0" b="0"/>
-      </a:fillRef>
-      <a:effectRef idx="0">
-        <a:scrgbClr r="0" g="0" b="0"/>
-      </a:effectRef>
-      <a:fontRef idx="minor">
-        <a:schemeClr val="lt1"/>
-      </a:fontRef>
-    </dgm:style>
-  </dgm:styleLbl>
-  <dgm:styleLbl name="bgSibTrans2D1">
-    <dgm:scene3d>
-      <a:camera prst="orthographicFront"/>
-      <a:lightRig rig="threePt" dir="t"/>
-    </dgm:scene3d>
-    <dgm:sp3d/>
-    <dgm:txPr/>
-    <dgm:style>
-      <a:lnRef idx="0">
-        <a:scrgbClr r="0" g="0" b="0"/>
-      </a:lnRef>
-      <a:fillRef idx="1">
-        <a:scrgbClr r="0" g="0" b="0"/>
-      </a:fillRef>
-      <a:effectRef idx="0">
-        <a:scrgbClr r="0" g="0" b="0"/>
-      </a:effectRef>
-      <a:fontRef idx="minor">
-        <a:schemeClr val="lt1"/>
-      </a:fontRef>
-    </dgm:style>
-  </dgm:styleLbl>
-  <dgm:styleLbl name="sibTrans1D1">
-    <dgm:scene3d>
-      <a:camera prst="orthographicFront"/>
-      <a:lightRig rig="threePt" dir="t"/>
-    </dgm:scene3d>
-    <dgm:sp3d/>
-    <dgm:txPr/>
-    <dgm:style>
-      <a:lnRef idx="1">
-        <a:scrgbClr r="0" g="0" b="0"/>
-      </a:lnRef>
-      <a:fillRef idx="0">
-        <a:scrgbClr r="0" g="0" b="0"/>
-      </a:fillRef>
-      <a:effectRef idx="0">
-        <a:scrgbClr r="0" g="0" b="0"/>
-      </a:effectRef>
-      <a:fontRef idx="minor"/>
-    </dgm:style>
-  </dgm:styleLbl>
-  <dgm:styleLbl name="callout">
-    <dgm:scene3d>
-      <a:camera prst="orthographicFront"/>
-      <a:lightRig rig="threePt" dir="t"/>
-    </dgm:scene3d>
-    <dgm:sp3d/>
-    <dgm:txPr/>
-    <dgm:style>
-      <a:lnRef idx="2">
-        <a:scrgbClr r="0" g="0" b="0"/>
-      </a:lnRef>
-      <a:fillRef idx="1">
-        <a:scrgbClr r="0" g="0" b="0"/>
-      </a:fillRef>
-      <a:effectRef idx="0">
-        <a:scrgbClr r="0" g="0" b="0"/>
-      </a:effectRef>
-      <a:fontRef idx="minor"/>
-    </dgm:style>
-  </dgm:styleLbl>
-  <dgm:styleLbl name="asst0">
-    <dgm:scene3d>
-      <a:camera prst="orthographicFront"/>
-      <a:lightRig rig="threePt" dir="t"/>
-    </dgm:scene3d>
-    <dgm:sp3d/>
-    <dgm:txPr/>
-    <dgm:style>
-      <a:lnRef idx="2">
-        <a:scrgbClr r="0" g="0" b="0"/>
-      </a:lnRef>
-      <a:fillRef idx="1">
-        <a:scrgbClr r="0" g="0" b="0"/>
-      </a:fillRef>
-      <a:effectRef idx="0">
-        <a:scrgbClr r="0" g="0" b="0"/>
-      </a:effectRef>
-      <a:fontRef idx="minor">
-        <a:schemeClr val="lt1"/>
-      </a:fontRef>
-    </dgm:style>
-  </dgm:styleLbl>
-  <dgm:styleLbl name="asst1">
-    <dgm:scene3d>
-      <a:camera prst="orthographicFront"/>
-      <a:lightRig rig="threePt" dir="t"/>
-    </dgm:scene3d>
-    <dgm:sp3d/>
-    <dgm:txPr/>
-    <dgm:style>
-      <a:lnRef idx="2">
-        <a:scrgbClr r="0" g="0" b="0"/>
-      </a:lnRef>
-      <a:fillRef idx="1">
-        <a:scrgbClr r="0" g="0" b="0"/>
-      </a:fillRef>
-      <a:effectRef idx="0">
-        <a:scrgbClr r="0" g="0" b="0"/>
-      </a:effectRef>
-      <a:fontRef idx="minor">
-        <a:schemeClr val="lt1"/>
-      </a:fontRef>
-    </dgm:style>
-  </dgm:styleLbl>
-  <dgm:styleLbl name="asst2">
-    <dgm:scene3d>
-      <a:camera prst="orthographicFront"/>
-      <a:lightRig rig="threePt" dir="t"/>
-    </dgm:scene3d>
-    <dgm:sp3d/>
-    <dgm:txPr/>
-    <dgm:style>
-      <a:lnRef idx="2">
-        <a:scrgbClr r="0" g="0" b="0"/>
-      </a:lnRef>
-      <a:fillRef idx="1">
-        <a:scrgbClr r="0" g="0" b="0"/>
-      </a:fillRef>
-      <a:effectRef idx="0">
-        <a:scrgbClr r="0" g="0" b="0"/>
-      </a:effectRef>
-      <a:fontRef idx="minor">
-        <a:schemeClr val="lt1"/>
-      </a:fontRef>
-    </dgm:style>
-  </dgm:styleLbl>
-  <dgm:styleLbl name="asst3">
-    <dgm:scene3d>
-      <a:camera prst="orthographicFront"/>
-      <a:lightRig rig="threePt" dir="t"/>
-    </dgm:scene3d>
-    <dgm:sp3d/>
-    <dgm:txPr/>
-    <dgm:style>
-      <a:lnRef idx="2">
-        <a:scrgbClr r="0" g="0" b="0"/>
-      </a:lnRef>
-      <a:fillRef idx="1">
-        <a:scrgbClr r="0" g="0" b="0"/>
-      </a:fillRef>
-      <a:effectRef idx="0">
-        <a:scrgbClr r="0" g="0" b="0"/>
-      </a:effectRef>
-      <a:fontRef idx="minor">
-        <a:schemeClr val="lt1"/>
-      </a:fontRef>
-    </dgm:style>
-  </dgm:styleLbl>
-  <dgm:styleLbl name="asst4">
-    <dgm:scene3d>
-      <a:camera prst="orthographicFront"/>
-      <a:lightRig rig="threePt" dir="t"/>
-    </dgm:scene3d>
-    <dgm:sp3d/>
-    <dgm:txPr/>
-    <dgm:style>
-      <a:lnRef idx="2">
-        <a:scrgbClr r="0" g="0" b="0"/>
-      </a:lnRef>
-      <a:fillRef idx="1">
-        <a:scrgbClr r="0" g="0" b="0"/>
-      </a:fillRef>
-      <a:effectRef idx="0">
-        <a:scrgbClr r="0" g="0" b="0"/>
-      </a:effectRef>
-      <a:fontRef idx="minor">
-        <a:schemeClr val="lt1"/>
-      </a:fontRef>
-    </dgm:style>
-  </dgm:styleLbl>
-  <dgm:styleLbl name="parChTrans2D1">
-    <dgm:scene3d>
-      <a:camera prst="orthographicFront"/>
-      <a:lightRig rig="threePt" dir="t"/>
-    </dgm:scene3d>
-    <dgm:sp3d/>
-    <dgm:txPr/>
-    <dgm:style>
-      <a:lnRef idx="2">
-        <a:scrgbClr r="0" g="0" b="0"/>
-      </a:lnRef>
-      <a:fillRef idx="1">
-        <a:scrgbClr r="0" g="0" b="0"/>
-      </a:fillRef>
-      <a:effectRef idx="0">
-        <a:scrgbClr r="0" g="0" b="0"/>
-      </a:effectRef>
-      <a:fontRef idx="minor">
-        <a:schemeClr val="lt1"/>
-      </a:fontRef>
-    </dgm:style>
-  </dgm:styleLbl>
-  <dgm:styleLbl name="parChTrans2D2">
-    <dgm:scene3d>
-      <a:camera prst="orthographicFront"/>
-      <a:lightRig rig="threePt" dir="t"/>
-    </dgm:scene3d>
-    <dgm:sp3d/>
-    <dgm:txPr/>
-    <dgm:style>
-      <a:lnRef idx="2">
-        <a:scrgbClr r="0" g="0" b="0"/>
-      </a:lnRef>
-      <a:fillRef idx="1">
-        <a:scrgbClr r="0" g="0" b="0"/>
-      </a:fillRef>
-      <a:effectRef idx="0">
-        <a:scrgbClr r="0" g="0" b="0"/>
-      </a:effectRef>
-      <a:fontRef idx="minor">
-        <a:schemeClr val="lt1"/>
-      </a:fontRef>
-    </dgm:style>
-  </dgm:styleLbl>
-  <dgm:styleLbl name="parChTrans2D3">
-    <dgm:scene3d>
-      <a:camera prst="orthographicFront"/>
-      <a:lightRig rig="threePt" dir="t"/>
-    </dgm:scene3d>
-    <dgm:sp3d/>
-    <dgm:txPr/>
-    <dgm:style>
-      <a:lnRef idx="2">
-        <a:scrgbClr r="0" g="0" b="0"/>
-      </a:lnRef>
-      <a:fillRef idx="1">
-        <a:scrgbClr r="0" g="0" b="0"/>
-      </a:fillRef>
-      <a:effectRef idx="0">
-        <a:scrgbClr r="0" g="0" b="0"/>
-      </a:effectRef>
-      <a:fontRef idx="minor">
-        <a:schemeClr val="lt1"/>
-      </a:fontRef>
-    </dgm:style>
-  </dgm:styleLbl>
-  <dgm:styleLbl name="parChTrans2D4">
-    <dgm:scene3d>
-      <a:camera prst="orthographicFront"/>
-      <a:lightRig rig="threePt" dir="t"/>
-    </dgm:scene3d>
-    <dgm:sp3d/>
-    <dgm:txPr/>
-    <dgm:style>
-      <a:lnRef idx="2">
-        <a:scrgbClr r="0" g="0" b="0"/>
-      </a:lnRef>
-      <a:fillRef idx="1">
-        <a:scrgbClr r="0" g="0" b="0"/>
-      </a:fillRef>
-      <a:effectRef idx="0">
-        <a:scrgbClr r="0" g="0" b="0"/>
-      </a:effectRef>
-      <a:fontRef idx="minor">
-        <a:schemeClr val="lt1"/>
-      </a:fontRef>
-    </dgm:style>
-  </dgm:styleLbl>
-  <dgm:styleLbl name="parChTrans1D1">
-    <dgm:scene3d>
-      <a:camera prst="orthographicFront"/>
-      <a:lightRig rig="threePt" dir="t"/>
-    </dgm:scene3d>
-    <dgm:sp3d/>
-    <dgm:txPr/>
-    <dgm:style>
-      <a:lnRef idx="2">
-        <a:scrgbClr r="0" g="0" b="0"/>
-      </a:lnRef>
-      <a:fillRef idx="0">
-        <a:scrgbClr r="0" g="0" b="0"/>
-      </a:fillRef>
-      <a:effectRef idx="0">
-        <a:scrgbClr r="0" g="0" b="0"/>
-      </a:effectRef>
-      <a:fontRef idx="minor"/>
-    </dgm:style>
-  </dgm:styleLbl>
-  <dgm:styleLbl name="parChTrans1D2">
-    <dgm:scene3d>
-      <a:camera prst="orthographicFront"/>
-      <a:lightRig rig="threePt" dir="t"/>
-    </dgm:scene3d>
-    <dgm:sp3d/>
-    <dgm:txPr/>
-    <dgm:style>
-      <a:lnRef idx="2">
-        <a:scrgbClr r="0" g="0" b="0"/>
-      </a:lnRef>
-      <a:fillRef idx="0">
-        <a:scrgbClr r="0" g="0" b="0"/>
-      </a:fillRef>
-      <a:effectRef idx="0">
-        <a:scrgbClr r="0" g="0" b="0"/>
-      </a:effectRef>
-      <a:fontRef idx="minor"/>
-    </dgm:style>
-  </dgm:styleLbl>
-  <dgm:styleLbl name="parChTrans1D3">
-    <dgm:scene3d>
-      <a:camera prst="orthographicFront"/>
-      <a:lightRig rig="threePt" dir="t"/>
-    </dgm:scene3d>
-    <dgm:sp3d/>
-    <dgm:txPr/>
-    <dgm:style>
-      <a:lnRef idx="2">
-        <a:scrgbClr r="0" g="0" b="0"/>
-      </a:lnRef>
-      <a:fillRef idx="0">
-        <a:scrgbClr r="0" g="0" b="0"/>
-      </a:fillRef>
-      <a:effectRef idx="0">
-        <a:scrgbClr r="0" g="0" b="0"/>
-      </a:effectRef>
-      <a:fontRef idx="minor"/>
-    </dgm:style>
-  </dgm:styleLbl>
-  <dgm:styleLbl name="parChTrans1D4">
-    <dgm:scene3d>
-      <a:camera prst="orthographicFront"/>
-      <a:lightRig rig="threePt" dir="t"/>
-    </dgm:scene3d>
-    <dgm:sp3d/>
-    <dgm:txPr/>
-    <dgm:style>
-      <a:lnRef idx="2">
-        <a:scrgbClr r="0" g="0" b="0"/>
-      </a:lnRef>
-      <a:fillRef idx="0">
-        <a:scrgbClr r="0" g="0" b="0"/>
-      </a:fillRef>
-      <a:effectRef idx="0">
-        <a:scrgbClr r="0" g="0" b="0"/>
-      </a:effectRef>
-      <a:fontRef idx="minor"/>
-    </dgm:style>
-  </dgm:styleLbl>
-  <dgm:styleLbl name="fgAcc1">
-    <dgm:scene3d>
-      <a:camera prst="orthographicFront"/>
-      <a:lightRig rig="threePt" dir="t"/>
-    </dgm:scene3d>
-    <dgm:sp3d/>
-    <dgm:txPr/>
-    <dgm:style>
-      <a:lnRef idx="2">
-        <a:scrgbClr r="0" g="0" b="0"/>
-      </a:lnRef>
-      <a:fillRef idx="1">
-        <a:scrgbClr r="0" g="0" b="0"/>
-      </a:fillRef>
-      <a:effectRef idx="0">
-        <a:scrgbClr r="0" g="0" b="0"/>
-      </a:effectRef>
-      <a:fontRef idx="minor"/>
-    </dgm:style>
-  </dgm:styleLbl>
-  <dgm:styleLbl name="conFgAcc1">
-    <dgm:scene3d>
-      <a:camera prst="orthographicFront"/>
-      <a:lightRig rig="threePt" dir="t"/>
-    </dgm:scene3d>
-    <dgm:sp3d/>
-    <dgm:txPr/>
-    <dgm:style>
-      <a:lnRef idx="2">
-        <a:scrgbClr r="0" g="0" b="0"/>
-      </a:lnRef>
-      <a:fillRef idx="1">
-        <a:scrgbClr r="0" g="0" b="0"/>
-      </a:fillRef>
-      <a:effectRef idx="0">
-        <a:scrgbClr r="0" g="0" b="0"/>
-      </a:effectRef>
-      <a:fontRef idx="minor"/>
-    </dgm:style>
-  </dgm:styleLbl>
-  <dgm:styleLbl name="alignAcc1">
-    <dgm:scene3d>
-      <a:camera prst="orthographicFront"/>
-      <a:lightRig rig="threePt" dir="t"/>
-    </dgm:scene3d>
-    <dgm:sp3d/>
-    <dgm:txPr/>
-    <dgm:style>
-      <a:lnRef idx="2">
-        <a:scrgbClr r="0" g="0" b="0"/>
-      </a:lnRef>
-      <a:fillRef idx="1">
-        <a:scrgbClr r="0" g="0" b="0"/>
-      </a:fillRef>
-      <a:effectRef idx="0">
-        <a:scrgbClr r="0" g="0" b="0"/>
-      </a:effectRef>
-      <a:fontRef idx="minor"/>
-    </dgm:style>
-  </dgm:styleLbl>
-  <dgm:styleLbl name="trAlignAcc1">
-    <dgm:scene3d>
-      <a:camera prst="orthographicFront"/>
-      <a:lightRig rig="threePt" dir="t"/>
-    </dgm:scene3d>
-    <dgm:sp3d/>
-    <dgm:txPr/>
-    <dgm:style>
-      <a:lnRef idx="1">
-        <a:scrgbClr r="0" g="0" b="0"/>
-      </a:lnRef>
-      <a:fillRef idx="1">
-        <a:scrgbClr r="0" g="0" b="0"/>
-      </a:fillRef>
-      <a:effectRef idx="0">
-        <a:scrgbClr r="0" g="0" b="0"/>
-      </a:effectRef>
-      <a:fontRef idx="minor"/>
-    </dgm:style>
-  </dgm:styleLbl>
-  <dgm:styleLbl name="bgAcc1">
-    <dgm:scene3d>
-      <a:camera prst="orthographicFront"/>
-      <a:lightRig rig="threePt" dir="t"/>
-    </dgm:scene3d>
-    <dgm:sp3d/>
-    <dgm:txPr/>
-    <dgm:style>
-      <a:lnRef idx="2">
-        <a:scrgbClr r="0" g="0" b="0"/>
-      </a:lnRef>
-      <a:fillRef idx="1">
-        <a:scrgbClr r="0" g="0" b="0"/>
-      </a:fillRef>
-      <a:effectRef idx="0">
-        <a:scrgbClr r="0" g="0" b="0"/>
-      </a:effectRef>
-      <a:fontRef idx="minor"/>
-    </dgm:style>
-  </dgm:styleLbl>
-  <dgm:styleLbl name="solidFgAcc1">
-    <dgm:scene3d>
-      <a:camera prst="orthographicFront"/>
-      <a:lightRig rig="threePt" dir="t"/>
-    </dgm:scene3d>
-    <dgm:sp3d/>
-    <dgm:txPr/>
-    <dgm:style>
-      <a:lnRef idx="2">
-        <a:scrgbClr r="0" g="0" b="0"/>
-      </a:lnRef>
-      <a:fillRef idx="1">
-        <a:scrgbClr r="0" g="0" b="0"/>
-      </a:fillRef>
-      <a:effectRef idx="0">
-        <a:scrgbClr r="0" g="0" b="0"/>
-      </a:effectRef>
-      <a:fontRef idx="minor"/>
-    </dgm:style>
-  </dgm:styleLbl>
-  <dgm:styleLbl name="solidAlignAcc1">
-    <dgm:scene3d>
-      <a:camera prst="orthographicFront"/>
-      <a:lightRig rig="threePt" dir="t"/>
-    </dgm:scene3d>
-    <dgm:sp3d/>
-    <dgm:txPr/>
-    <dgm:style>
-      <a:lnRef idx="2">
-        <a:scrgbClr r="0" g="0" b="0"/>
-      </a:lnRef>
-      <a:fillRef idx="1">
-        <a:scrgbClr r="0" g="0" b="0"/>
-      </a:fillRef>
-      <a:effectRef idx="0">
-        <a:scrgbClr r="0" g="0" b="0"/>
-      </a:effectRef>
-      <a:fontRef idx="minor"/>
-    </dgm:style>
-  </dgm:styleLbl>
-  <dgm:styleLbl name="solidBgAcc1">
-    <dgm:scene3d>
-      <a:camera prst="orthographicFront"/>
-      <a:lightRig rig="threePt" dir="t"/>
-    </dgm:scene3d>
-    <dgm:sp3d/>
-    <dgm:txPr/>
-    <dgm:style>
-      <a:lnRef idx="2">
-        <a:scrgbClr r="0" g="0" b="0"/>
-      </a:lnRef>
-      <a:fillRef idx="1">
-        <a:scrgbClr r="0" g="0" b="0"/>
-      </a:fillRef>
-      <a:effectRef idx="0">
-        <a:scrgbClr r="0" g="0" b="0"/>
-      </a:effectRef>
-      <a:fontRef idx="minor"/>
-    </dgm:style>
-  </dgm:styleLbl>
-  <dgm:styleLbl name="fgAccFollowNode1">
-    <dgm:scene3d>
-      <a:camera prst="orthographicFront"/>
-      <a:lightRig rig="threePt" dir="t"/>
-    </dgm:scene3d>
-    <dgm:sp3d/>
-    <dgm:txPr/>
-    <dgm:style>
-      <a:lnRef idx="2">
-        <a:scrgbClr r="0" g="0" b="0"/>
-      </a:lnRef>
-      <a:fillRef idx="1">
-        <a:scrgbClr r="0" g="0" b="0"/>
-      </a:fillRef>
-      <a:effectRef idx="0">
-        <a:scrgbClr r="0" g="0" b="0"/>
-      </a:effectRef>
-      <a:fontRef idx="minor"/>
-    </dgm:style>
-  </dgm:styleLbl>
-  <dgm:styleLbl name="alignAccFollowNode1">
-    <dgm:scene3d>
-      <a:camera prst="orthographicFront"/>
-      <a:lightRig rig="threePt" dir="t"/>
-    </dgm:scene3d>
-    <dgm:sp3d/>
-    <dgm:txPr/>
-    <dgm:style>
-      <a:lnRef idx="2">
-        <a:scrgbClr r="0" g="0" b="0"/>
-      </a:lnRef>
-      <a:fillRef idx="1">
-        <a:scrgbClr r="0" g="0" b="0"/>
-      </a:fillRef>
-      <a:effectRef idx="0">
-        <a:scrgbClr r="0" g="0" b="0"/>
-      </a:effectRef>
-      <a:fontRef idx="minor"/>
-    </dgm:style>
-  </dgm:styleLbl>
-  <dgm:styleLbl name="bgAccFollowNode1">
-    <dgm:scene3d>
-      <a:camera prst="orthographicFront"/>
-      <a:lightRig rig="threePt" dir="t"/>
-    </dgm:scene3d>
-    <dgm:sp3d/>
-    <dgm:txPr/>
-    <dgm:style>
-      <a:lnRef idx="2">
-        <a:scrgbClr r="0" g="0" b="0"/>
-      </a:lnRef>
-      <a:fillRef idx="1">
-        <a:scrgbClr r="0" g="0" b="0"/>
-      </a:fillRef>
-      <a:effectRef idx="0">
-        <a:scrgbClr r="0" g="0" b="0"/>
-      </a:effectRef>
-      <a:fontRef idx="minor"/>
-    </dgm:style>
-  </dgm:styleLbl>
-  <dgm:styleLbl name="fgAcc0">
-    <dgm:scene3d>
-      <a:camera prst="orthographicFront"/>
-      <a:lightRig rig="threePt" dir="t"/>
-    </dgm:scene3d>
-    <dgm:sp3d/>
-    <dgm:txPr/>
-    <dgm:style>
-      <a:lnRef idx="2">
-        <a:scrgbClr r="0" g="0" b="0"/>
-      </a:lnRef>
-      <a:fillRef idx="1">
-        <a:scrgbClr r="0" g="0" b="0"/>
-      </a:fillRef>
-      <a:effectRef idx="0">
-        <a:scrgbClr r="0" g="0" b="0"/>
-      </a:effectRef>
-      <a:fontRef idx="minor"/>
-    </dgm:style>
-  </dgm:styleLbl>
-  <dgm:styleLbl name="fgAcc2">
-    <dgm:scene3d>
-      <a:camera prst="orthographicFront"/>
-      <a:lightRig rig="threePt" dir="t"/>
-    </dgm:scene3d>
-    <dgm:sp3d/>
-    <dgm:txPr/>
-    <dgm:style>
-      <a:lnRef idx="2">
-        <a:scrgbClr r="0" g="0" b="0"/>
-      </a:lnRef>
-      <a:fillRef idx="1">
-        <a:scrgbClr r="0" g="0" b="0"/>
-      </a:fillRef>
-      <a:effectRef idx="0">
-        <a:scrgbClr r="0" g="0" b="0"/>
-      </a:effectRef>
-      <a:fontRef idx="minor"/>
-    </dgm:style>
-  </dgm:styleLbl>
-  <dgm:styleLbl name="fgAcc3">
-    <dgm:scene3d>
-      <a:camera prst="orthographicFront"/>
-      <a:lightRig rig="threePt" dir="t"/>
-    </dgm:scene3d>
-    <dgm:sp3d/>
-    <dgm:txPr/>
-    <dgm:style>
-      <a:lnRef idx="2">
-        <a:scrgbClr r="0" g="0" b="0"/>
-      </a:lnRef>
-      <a:fillRef idx="1">
-        <a:scrgbClr r="0" g="0" b="0"/>
-      </a:fillRef>
-      <a:effectRef idx="0">
-        <a:scrgbClr r="0" g="0" b="0"/>
-      </a:effectRef>
-      <a:fontRef idx="minor"/>
-    </dgm:style>
-  </dgm:styleLbl>
-  <dgm:styleLbl name="fgAcc4">
-    <dgm:scene3d>
-      <a:camera prst="orthographicFront"/>
-      <a:lightRig rig="threePt" dir="t"/>
-    </dgm:scene3d>
-    <dgm:sp3d/>
-    <dgm:txPr/>
-    <dgm:style>
-      <a:lnRef idx="2">
-        <a:scrgbClr r="0" g="0" b="0"/>
-      </a:lnRef>
-      <a:fillRef idx="1">
-        <a:scrgbClr r="0" g="0" b="0"/>
-      </a:fillRef>
-      <a:effectRef idx="0">
-        <a:scrgbClr r="0" g="0" b="0"/>
-      </a:effectRef>
-      <a:fontRef idx="minor"/>
-    </dgm:style>
-  </dgm:styleLbl>
-  <dgm:styleLbl name="bgShp">
-    <dgm:scene3d>
-      <a:camera prst="orthographicFront"/>
-      <a:lightRig rig="threePt" dir="t"/>
-    </dgm:scene3d>
-    <dgm:sp3d/>
-    <dgm:txPr/>
-    <dgm:style>
-      <a:lnRef idx="0">
-        <a:scrgbClr r="0" g="0" b="0"/>
-      </a:lnRef>
-      <a:fillRef idx="1">
-        <a:scrgbClr r="0" g="0" b="0"/>
-      </a:fillRef>
-      <a:effectRef idx="0">
-        <a:scrgbClr r="0" g="0" b="0"/>
-      </a:effectRef>
-      <a:fontRef idx="minor"/>
-    </dgm:style>
-  </dgm:styleLbl>
-  <dgm:styleLbl name="dkBgShp">
-    <dgm:scene3d>
-      <a:camera prst="orthographicFront"/>
-      <a:lightRig rig="threePt" dir="t"/>
-    </dgm:scene3d>
-    <dgm:sp3d/>
-    <dgm:txPr/>
-    <dgm:style>
-      <a:lnRef idx="0">
-        <a:scrgbClr r="0" g="0" b="0"/>
-      </a:lnRef>
-      <a:fillRef idx="1">
-        <a:scrgbClr r="0" g="0" b="0"/>
-      </a:fillRef>
-      <a:effectRef idx="0">
-        <a:scrgbClr r="0" g="0" b="0"/>
-      </a:effectRef>
-      <a:fontRef idx="minor"/>
-    </dgm:style>
-  </dgm:styleLbl>
-  <dgm:styleLbl name="trBgShp">
-    <dgm:scene3d>
-      <a:camera prst="orthographicFront"/>
-      <a:lightRig rig="threePt" dir="t"/>
-    </dgm:scene3d>
-    <dgm:sp3d/>
-    <dgm:txPr/>
-    <dgm:style>
-      <a:lnRef idx="0">
-        <a:scrgbClr r="0" g="0" b="0"/>
-      </a:lnRef>
-      <a:fillRef idx="1">
-        <a:scrgbClr r="0" g="0" b="0"/>
-      </a:fillRef>
-      <a:effectRef idx="0">
-        <a:scrgbClr r="0" g="0" b="0"/>
-      </a:effectRef>
-      <a:fontRef idx="minor"/>
-    </dgm:style>
-  </dgm:styleLbl>
-  <dgm:styleLbl name="fgShp">
-    <dgm:scene3d>
-      <a:camera prst="orthographicFront"/>
-      <a:lightRig rig="threePt" dir="t"/>
-    </dgm:scene3d>
-    <dgm:sp3d/>
-    <dgm:txPr/>
-    <dgm:style>
-      <a:lnRef idx="2">
-        <a:scrgbClr r="0" g="0" b="0"/>
-      </a:lnRef>
-      <a:fillRef idx="1">
-        <a:scrgbClr r="0" g="0" b="0"/>
-      </a:fillRef>
-      <a:effectRef idx="0">
-        <a:scrgbClr r="0" g="0" b="0"/>
-      </a:effectRef>
-      <a:fontRef idx="minor"/>
-    </dgm:style>
-  </dgm:styleLbl>
-  <dgm:styleLbl name="revTx">
-    <dgm:scene3d>
-      <a:camera prst="orthographicFront"/>
-      <a:lightRig rig="threePt" dir="t"/>
-    </dgm:scene3d>
-    <dgm:sp3d/>
-    <dgm:txPr/>
-    <dgm:style>
-      <a:lnRef idx="0">
-        <a:scrgbClr r="0" g="0" b="0"/>
-      </a:lnRef>
-      <a:fillRef idx="0">
-        <a:scrgbClr r="0" g="0" b="0"/>
-      </a:fillRef>
-      <a:effectRef idx="0">
-        <a:scrgbClr r="0" g="0" b="0"/>
-      </a:effectRef>
-      <a:fontRef idx="minor"/>
-    </dgm:style>
-  </dgm:styleLbl>
-</dgm:styleDef>
-</file>
-
-<file path=ppt/diagrams/quickStyle2.xml><?xml version="1.0" encoding="utf-8"?>
 <dgm:styleDef xmlns:dgm="http://schemas.openxmlformats.org/drawingml/2006/diagram" xmlns:a="http://schemas.openxmlformats.org/drawingml/2006/main" uniqueId="urn:microsoft.com/office/officeart/2005/8/quickstyle/simple1">
   <dgm:title val=""/>
   <dgm:desc val=""/>
@@ -5580,7 +2814,7 @@
           <a:p>
             <a:fld id="{941FF5B8-ADB4-407F-8320-DC3E7A021C76}" type="datetimeFigureOut">
               <a:rPr lang="en-US" smtClean="0"/>
-              <a:t>3/22/2024</a:t>
+              <a:t>4/4/2024</a:t>
             </a:fld>
             <a:endParaRPr lang="en-US"/>
           </a:p>
@@ -5778,7 +3012,7 @@
           <a:p>
             <a:fld id="{941FF5B8-ADB4-407F-8320-DC3E7A021C76}" type="datetimeFigureOut">
               <a:rPr lang="en-US" smtClean="0"/>
-              <a:t>3/22/2024</a:t>
+              <a:t>4/4/2024</a:t>
             </a:fld>
             <a:endParaRPr lang="en-US"/>
           </a:p>
@@ -5986,7 +3220,7 @@
           <a:p>
             <a:fld id="{941FF5B8-ADB4-407F-8320-DC3E7A021C76}" type="datetimeFigureOut">
               <a:rPr lang="en-US" smtClean="0"/>
-              <a:t>3/22/2024</a:t>
+              <a:t>4/4/2024</a:t>
             </a:fld>
             <a:endParaRPr lang="en-US"/>
           </a:p>
@@ -6184,7 +3418,7 @@
           <a:p>
             <a:fld id="{941FF5B8-ADB4-407F-8320-DC3E7A021C76}" type="datetimeFigureOut">
               <a:rPr lang="en-US" smtClean="0"/>
-              <a:t>3/22/2024</a:t>
+              <a:t>4/4/2024</a:t>
             </a:fld>
             <a:endParaRPr lang="en-US"/>
           </a:p>
@@ -6459,7 +3693,7 @@
           <a:p>
             <a:fld id="{941FF5B8-ADB4-407F-8320-DC3E7A021C76}" type="datetimeFigureOut">
               <a:rPr lang="en-US" smtClean="0"/>
-              <a:t>3/22/2024</a:t>
+              <a:t>4/4/2024</a:t>
             </a:fld>
             <a:endParaRPr lang="en-US"/>
           </a:p>
@@ -6724,7 +3958,7 @@
           <a:p>
             <a:fld id="{941FF5B8-ADB4-407F-8320-DC3E7A021C76}" type="datetimeFigureOut">
               <a:rPr lang="en-US" smtClean="0"/>
-              <a:t>3/22/2024</a:t>
+              <a:t>4/4/2024</a:t>
             </a:fld>
             <a:endParaRPr lang="en-US"/>
           </a:p>
@@ -7136,7 +4370,7 @@
           <a:p>
             <a:fld id="{941FF5B8-ADB4-407F-8320-DC3E7A021C76}" type="datetimeFigureOut">
               <a:rPr lang="en-US" smtClean="0"/>
-              <a:t>3/22/2024</a:t>
+              <a:t>4/4/2024</a:t>
             </a:fld>
             <a:endParaRPr lang="en-US"/>
           </a:p>
@@ -7277,7 +4511,7 @@
           <a:p>
             <a:fld id="{941FF5B8-ADB4-407F-8320-DC3E7A021C76}" type="datetimeFigureOut">
               <a:rPr lang="en-US" smtClean="0"/>
-              <a:t>3/22/2024</a:t>
+              <a:t>4/4/2024</a:t>
             </a:fld>
             <a:endParaRPr lang="en-US"/>
           </a:p>
@@ -7390,7 +4624,7 @@
           <a:p>
             <a:fld id="{941FF5B8-ADB4-407F-8320-DC3E7A021C76}" type="datetimeFigureOut">
               <a:rPr lang="en-US" smtClean="0"/>
-              <a:t>3/22/2024</a:t>
+              <a:t>4/4/2024</a:t>
             </a:fld>
             <a:endParaRPr lang="en-US"/>
           </a:p>
@@ -7701,7 +4935,7 @@
           <a:p>
             <a:fld id="{941FF5B8-ADB4-407F-8320-DC3E7A021C76}" type="datetimeFigureOut">
               <a:rPr lang="en-US" smtClean="0"/>
-              <a:t>3/22/2024</a:t>
+              <a:t>4/4/2024</a:t>
             </a:fld>
             <a:endParaRPr lang="en-US"/>
           </a:p>
@@ -7989,7 +5223,7 @@
           <a:p>
             <a:fld id="{941FF5B8-ADB4-407F-8320-DC3E7A021C76}" type="datetimeFigureOut">
               <a:rPr lang="en-US" smtClean="0"/>
-              <a:t>3/22/2024</a:t>
+              <a:t>4/4/2024</a:t>
             </a:fld>
             <a:endParaRPr lang="en-US"/>
           </a:p>
@@ -8230,7 +5464,7 @@
           <a:p>
             <a:fld id="{941FF5B8-ADB4-407F-8320-DC3E7A021C76}" type="datetimeFigureOut">
               <a:rPr lang="en-US" smtClean="0"/>
-              <a:t>3/22/2024</a:t>
+              <a:t>4/4/2024</a:t>
             </a:fld>
             <a:endParaRPr lang="en-US"/>
           </a:p>
@@ -9430,588 +6664,6 @@
       </p:grpSpPr>
       <p:sp useBgFill="1">
         <p:nvSpPr>
-          <p:cNvPr id="19" name="Rectangle 18">
-            <a:extLst>
-              <a:ext uri="{FF2B5EF4-FFF2-40B4-BE49-F238E27FC236}">
-                <a16:creationId xmlns:a16="http://schemas.microsoft.com/office/drawing/2014/main" id="{DEE2AD96-B495-4E06-9291-B71706F728CB}"/>
-              </a:ext>
-              <a:ext uri="{C183D7F6-B498-43B3-948B-1728B52AA6E4}">
-                <adec:decorative xmlns:adec="http://schemas.microsoft.com/office/drawing/2017/decorative" val="1"/>
-              </a:ext>
-            </a:extLst>
-          </p:cNvPr>
-          <p:cNvSpPr>
-            <a:spLocks noGrp="1" noRot="1" noChangeAspect="1" noMove="1" noResize="1" noEditPoints="1" noAdjustHandles="1" noChangeArrowheads="1" noChangeShapeType="1" noTextEdit="1"/>
-          </p:cNvSpPr>
-          <p:nvPr>
-            <p:extLst>
-              <p:ext uri="{386F3935-93C4-4BCD-93E2-E3B085C9AB24}">
-                <p16:designElem xmlns:p16="http://schemas.microsoft.com/office/powerpoint/2015/main" val="1"/>
-              </p:ext>
-            </p:extLst>
-          </p:nvPr>
-        </p:nvSpPr>
-        <p:spPr>
-          <a:xfrm>
-            <a:off x="0" y="0"/>
-            <a:ext cx="12192000" cy="6858000"/>
-          </a:xfrm>
-          <a:prstGeom prst="rect">
-            <a:avLst/>
-          </a:prstGeom>
-          <a:ln w="12700" cap="flat" cmpd="sng" algn="ctr">
-            <a:noFill/>
-            <a:prstDash val="solid"/>
-            <a:miter lim="800000"/>
-          </a:ln>
-          <a:effectLst/>
-          <a:extLst>
-            <a:ext uri="{91240B29-F687-4F45-9708-019B960494DF}">
-              <a14:hiddenLine xmlns:a14="http://schemas.microsoft.com/office/drawing/2010/main" w="12700" cap="flat" cmpd="sng" algn="ctr">
-                <a:solidFill>
-                  <a:schemeClr val="accent1">
-                    <a:shade val="50000"/>
-                  </a:schemeClr>
-                </a:solidFill>
-                <a:prstDash val="solid"/>
-                <a:miter lim="800000"/>
-              </a14:hiddenLine>
-            </a:ext>
-          </a:extLst>
-        </p:spPr>
-        <p:style>
-          <a:lnRef idx="2">
-            <a:schemeClr val="accent1">
-              <a:shade val="50000"/>
-            </a:schemeClr>
-          </a:lnRef>
-          <a:fillRef idx="1">
-            <a:schemeClr val="accent1"/>
-          </a:fillRef>
-          <a:effectRef idx="0">
-            <a:schemeClr val="accent1"/>
-          </a:effectRef>
-          <a:fontRef idx="minor">
-            <a:schemeClr val="lt1"/>
-          </a:fontRef>
-        </p:style>
-        <p:txBody>
-          <a:bodyPr rtlCol="0" anchor="ctr"/>
-          <a:lstStyle/>
-          <a:p>
-            <a:pPr algn="ctr"/>
-            <a:endParaRPr lang="en-US"/>
-          </a:p>
-        </p:txBody>
-      </p:sp>
-      <p:sp>
-        <p:nvSpPr>
-          <p:cNvPr id="20" name="Rectangle 19">
-            <a:extLst>
-              <a:ext uri="{FF2B5EF4-FFF2-40B4-BE49-F238E27FC236}">
-                <a16:creationId xmlns:a16="http://schemas.microsoft.com/office/drawing/2014/main" id="{53CF6D67-C5A8-4ADD-9E8E-1E38CA1D3166}"/>
-              </a:ext>
-              <a:ext uri="{C183D7F6-B498-43B3-948B-1728B52AA6E4}">
-                <adec:decorative xmlns:adec="http://schemas.microsoft.com/office/drawing/2017/decorative" val="1"/>
-              </a:ext>
-            </a:extLst>
-          </p:cNvPr>
-          <p:cNvSpPr>
-            <a:spLocks noGrp="1" noRot="1" noChangeAspect="1" noMove="1" noResize="1" noEditPoints="1" noAdjustHandles="1" noChangeArrowheads="1" noChangeShapeType="1" noTextEdit="1"/>
-          </p:cNvSpPr>
-          <p:nvPr>
-            <p:extLst>
-              <p:ext uri="{386F3935-93C4-4BCD-93E2-E3B085C9AB24}">
-                <p16:designElem xmlns:p16="http://schemas.microsoft.com/office/powerpoint/2015/main" val="1"/>
-              </p:ext>
-            </p:extLst>
-          </p:nvPr>
-        </p:nvSpPr>
-        <p:spPr>
-          <a:xfrm rot="5400000" flipH="1">
-            <a:off x="-638515" y="639280"/>
-            <a:ext cx="6858000" cy="5579440"/>
-          </a:xfrm>
-          <a:prstGeom prst="rect">
-            <a:avLst/>
-          </a:prstGeom>
-          <a:gradFill>
-            <a:gsLst>
-              <a:gs pos="8000">
-                <a:srgbClr val="000000"/>
-              </a:gs>
-              <a:gs pos="100000">
-                <a:schemeClr val="accent1">
-                  <a:lumMod val="75000"/>
-                </a:schemeClr>
-              </a:gs>
-            </a:gsLst>
-            <a:lin ang="3000000" scaled="0"/>
-          </a:gradFill>
-          <a:ln>
-            <a:noFill/>
-          </a:ln>
-        </p:spPr>
-        <p:style>
-          <a:lnRef idx="2">
-            <a:schemeClr val="accent1">
-              <a:shade val="50000"/>
-            </a:schemeClr>
-          </a:lnRef>
-          <a:fillRef idx="1">
-            <a:schemeClr val="accent1"/>
-          </a:fillRef>
-          <a:effectRef idx="0">
-            <a:schemeClr val="accent1"/>
-          </a:effectRef>
-          <a:fontRef idx="minor">
-            <a:schemeClr val="lt1"/>
-          </a:fontRef>
-        </p:style>
-        <p:txBody>
-          <a:bodyPr rtlCol="0" anchor="ctr"/>
-          <a:lstStyle/>
-          <a:p>
-            <a:pPr algn="ctr"/>
-            <a:endParaRPr lang="en-US"/>
-          </a:p>
-        </p:txBody>
-      </p:sp>
-      <p:sp>
-        <p:nvSpPr>
-          <p:cNvPr id="21" name="Rectangle 20">
-            <a:extLst>
-              <a:ext uri="{FF2B5EF4-FFF2-40B4-BE49-F238E27FC236}">
-                <a16:creationId xmlns:a16="http://schemas.microsoft.com/office/drawing/2014/main" id="{86909FA0-B515-4681-B7A8-FA281D133B94}"/>
-              </a:ext>
-              <a:ext uri="{C183D7F6-B498-43B3-948B-1728B52AA6E4}">
-                <adec:decorative xmlns:adec="http://schemas.microsoft.com/office/drawing/2017/decorative" val="1"/>
-              </a:ext>
-            </a:extLst>
-          </p:cNvPr>
-          <p:cNvSpPr>
-            <a:spLocks noGrp="1" noRot="1" noChangeAspect="1" noMove="1" noResize="1" noEditPoints="1" noAdjustHandles="1" noChangeArrowheads="1" noChangeShapeType="1" noTextEdit="1"/>
-          </p:cNvSpPr>
-          <p:nvPr>
-            <p:extLst>
-              <p:ext uri="{386F3935-93C4-4BCD-93E2-E3B085C9AB24}">
-                <p16:designElem xmlns:p16="http://schemas.microsoft.com/office/powerpoint/2015/main" val="1"/>
-              </p:ext>
-            </p:extLst>
-          </p:nvPr>
-        </p:nvSpPr>
-        <p:spPr>
-          <a:xfrm rot="5400000" flipH="1">
-            <a:off x="-393206" y="395206"/>
-            <a:ext cx="6346209" cy="5576080"/>
-          </a:xfrm>
-          <a:prstGeom prst="rect">
-            <a:avLst/>
-          </a:prstGeom>
-          <a:gradFill>
-            <a:gsLst>
-              <a:gs pos="0">
-                <a:srgbClr val="000000">
-                  <a:alpha val="0"/>
-                </a:srgbClr>
-              </a:gs>
-              <a:gs pos="99000">
-                <a:schemeClr val="accent1">
-                  <a:alpha val="0"/>
-                </a:schemeClr>
-              </a:gs>
-            </a:gsLst>
-            <a:lin ang="1800000" scaled="0"/>
-          </a:gradFill>
-          <a:ln>
-            <a:noFill/>
-          </a:ln>
-        </p:spPr>
-        <p:style>
-          <a:lnRef idx="2">
-            <a:schemeClr val="accent1">
-              <a:shade val="50000"/>
-            </a:schemeClr>
-          </a:lnRef>
-          <a:fillRef idx="1">
-            <a:schemeClr val="accent1"/>
-          </a:fillRef>
-          <a:effectRef idx="0">
-            <a:schemeClr val="accent1"/>
-          </a:effectRef>
-          <a:fontRef idx="minor">
-            <a:schemeClr val="lt1"/>
-          </a:fontRef>
-        </p:style>
-        <p:txBody>
-          <a:bodyPr rtlCol="0" anchor="ctr"/>
-          <a:lstStyle/>
-          <a:p>
-            <a:pPr algn="ctr"/>
-            <a:endParaRPr lang="en-US"/>
-          </a:p>
-        </p:txBody>
-      </p:sp>
-      <p:sp>
-        <p:nvSpPr>
-          <p:cNvPr id="22" name="Rectangle 21">
-            <a:extLst>
-              <a:ext uri="{FF2B5EF4-FFF2-40B4-BE49-F238E27FC236}">
-                <a16:creationId xmlns:a16="http://schemas.microsoft.com/office/drawing/2014/main" id="{21C9FE86-FCC3-4A31-AA1C-C882262B7FE7}"/>
-              </a:ext>
-              <a:ext uri="{C183D7F6-B498-43B3-948B-1728B52AA6E4}">
-                <adec:decorative xmlns:adec="http://schemas.microsoft.com/office/drawing/2017/decorative" val="1"/>
-              </a:ext>
-            </a:extLst>
-          </p:cNvPr>
-          <p:cNvSpPr>
-            <a:spLocks noGrp="1" noRot="1" noChangeAspect="1" noMove="1" noResize="1" noEditPoints="1" noAdjustHandles="1" noChangeArrowheads="1" noChangeShapeType="1" noTextEdit="1"/>
-          </p:cNvSpPr>
-          <p:nvPr>
-            <p:extLst>
-              <p:ext uri="{386F3935-93C4-4BCD-93E2-E3B085C9AB24}">
-                <p16:designElem xmlns:p16="http://schemas.microsoft.com/office/powerpoint/2015/main" val="1"/>
-              </p:ext>
-            </p:extLst>
-          </p:nvPr>
-        </p:nvSpPr>
-        <p:spPr>
-          <a:xfrm rot="5400000" flipH="1">
-            <a:off x="1528907" y="2818967"/>
-            <a:ext cx="2501979" cy="5576080"/>
-          </a:xfrm>
-          <a:prstGeom prst="rect">
-            <a:avLst/>
-          </a:prstGeom>
-          <a:gradFill>
-            <a:gsLst>
-              <a:gs pos="2000">
-                <a:schemeClr val="accent1">
-                  <a:alpha val="29000"/>
-                </a:schemeClr>
-              </a:gs>
-              <a:gs pos="100000">
-                <a:srgbClr val="000000">
-                  <a:alpha val="30000"/>
-                </a:srgbClr>
-              </a:gs>
-            </a:gsLst>
-            <a:lin ang="7800000" scaled="0"/>
-          </a:gradFill>
-          <a:ln>
-            <a:noFill/>
-          </a:ln>
-        </p:spPr>
-        <p:style>
-          <a:lnRef idx="2">
-            <a:schemeClr val="accent1">
-              <a:shade val="50000"/>
-            </a:schemeClr>
-          </a:lnRef>
-          <a:fillRef idx="1">
-            <a:schemeClr val="accent1"/>
-          </a:fillRef>
-          <a:effectRef idx="0">
-            <a:schemeClr val="accent1"/>
-          </a:effectRef>
-          <a:fontRef idx="minor">
-            <a:schemeClr val="lt1"/>
-          </a:fontRef>
-        </p:style>
-        <p:txBody>
-          <a:bodyPr rtlCol="0" anchor="ctr"/>
-          <a:lstStyle/>
-          <a:p>
-            <a:pPr algn="ctr"/>
-            <a:endParaRPr lang="en-US" dirty="0"/>
-          </a:p>
-        </p:txBody>
-      </p:sp>
-      <p:sp>
-        <p:nvSpPr>
-          <p:cNvPr id="23" name="Rectangle 22">
-            <a:extLst>
-              <a:ext uri="{FF2B5EF4-FFF2-40B4-BE49-F238E27FC236}">
-                <a16:creationId xmlns:a16="http://schemas.microsoft.com/office/drawing/2014/main" id="{7D96243B-ECED-4B71-8E06-AE9A285EAD20}"/>
-              </a:ext>
-              <a:ext uri="{C183D7F6-B498-43B3-948B-1728B52AA6E4}">
-                <adec:decorative xmlns:adec="http://schemas.microsoft.com/office/drawing/2017/decorative" val="1"/>
-              </a:ext>
-            </a:extLst>
-          </p:cNvPr>
-          <p:cNvSpPr>
-            <a:spLocks noGrp="1" noRot="1" noChangeAspect="1" noMove="1" noResize="1" noEditPoints="1" noAdjustHandles="1" noChangeArrowheads="1" noChangeShapeType="1" noTextEdit="1"/>
-          </p:cNvSpPr>
-          <p:nvPr>
-            <p:extLst>
-              <p:ext uri="{386F3935-93C4-4BCD-93E2-E3B085C9AB24}">
-                <p16:designElem xmlns:p16="http://schemas.microsoft.com/office/powerpoint/2015/main" val="1"/>
-              </p:ext>
-            </p:extLst>
-          </p:nvPr>
-        </p:nvSpPr>
-        <p:spPr>
-          <a:xfrm rot="5400000" flipH="1">
-            <a:off x="-425002" y="852793"/>
-            <a:ext cx="6858001" cy="5152412"/>
-          </a:xfrm>
-          <a:prstGeom prst="rect">
-            <a:avLst/>
-          </a:prstGeom>
-          <a:gradFill>
-            <a:gsLst>
-              <a:gs pos="0">
-                <a:srgbClr val="000000">
-                  <a:alpha val="0"/>
-                </a:srgbClr>
-              </a:gs>
-              <a:gs pos="99000">
-                <a:schemeClr val="accent1">
-                  <a:alpha val="11000"/>
-                </a:schemeClr>
-              </a:gs>
-            </a:gsLst>
-            <a:lin ang="7800000" scaled="0"/>
-          </a:gradFill>
-          <a:ln>
-            <a:noFill/>
-          </a:ln>
-        </p:spPr>
-        <p:style>
-          <a:lnRef idx="2">
-            <a:schemeClr val="accent1">
-              <a:shade val="50000"/>
-            </a:schemeClr>
-          </a:lnRef>
-          <a:fillRef idx="1">
-            <a:schemeClr val="accent1"/>
-          </a:fillRef>
-          <a:effectRef idx="0">
-            <a:schemeClr val="accent1"/>
-          </a:effectRef>
-          <a:fontRef idx="minor">
-            <a:schemeClr val="lt1"/>
-          </a:fontRef>
-        </p:style>
-        <p:txBody>
-          <a:bodyPr rtlCol="0" anchor="ctr"/>
-          <a:lstStyle/>
-          <a:p>
-            <a:pPr algn="ctr"/>
-            <a:endParaRPr lang="en-US"/>
-          </a:p>
-        </p:txBody>
-      </p:sp>
-      <p:sp>
-        <p:nvSpPr>
-          <p:cNvPr id="18" name="Oval 17">
-            <a:extLst>
-              <a:ext uri="{FF2B5EF4-FFF2-40B4-BE49-F238E27FC236}">
-                <a16:creationId xmlns:a16="http://schemas.microsoft.com/office/drawing/2014/main" id="{A09989E4-EFDC-4A90-A633-E0525FB4139E}"/>
-              </a:ext>
-              <a:ext uri="{C183D7F6-B498-43B3-948B-1728B52AA6E4}">
-                <adec:decorative xmlns:adec="http://schemas.microsoft.com/office/drawing/2017/decorative" val="1"/>
-              </a:ext>
-            </a:extLst>
-          </p:cNvPr>
-          <p:cNvSpPr>
-            <a:spLocks noGrp="1" noRot="1" noChangeAspect="1" noMove="1" noResize="1" noEditPoints="1" noAdjustHandles="1" noChangeArrowheads="1" noChangeShapeType="1" noTextEdit="1"/>
-          </p:cNvSpPr>
-          <p:nvPr>
-            <p:extLst>
-              <p:ext uri="{386F3935-93C4-4BCD-93E2-E3B085C9AB24}">
-                <p16:designElem xmlns:p16="http://schemas.microsoft.com/office/powerpoint/2015/main" val="1"/>
-              </p:ext>
-            </p:extLst>
-          </p:nvPr>
-        </p:nvSpPr>
-        <p:spPr>
-          <a:xfrm rot="6097846">
-            <a:off x="818753" y="1128497"/>
-            <a:ext cx="4318303" cy="4318303"/>
-          </a:xfrm>
-          <a:prstGeom prst="ellipse">
-            <a:avLst/>
-          </a:prstGeom>
-          <a:gradFill>
-            <a:gsLst>
-              <a:gs pos="39000">
-                <a:schemeClr val="accent1">
-                  <a:alpha val="0"/>
-                </a:schemeClr>
-              </a:gs>
-              <a:gs pos="100000">
-                <a:schemeClr val="accent1">
-                  <a:lumMod val="60000"/>
-                  <a:lumOff val="40000"/>
-                  <a:alpha val="15000"/>
-                </a:schemeClr>
-              </a:gs>
-            </a:gsLst>
-            <a:lin ang="17400000" scaled="0"/>
-          </a:gradFill>
-          <a:ln>
-            <a:noFill/>
-          </a:ln>
-        </p:spPr>
-        <p:style>
-          <a:lnRef idx="2">
-            <a:schemeClr val="accent1">
-              <a:shade val="50000"/>
-            </a:schemeClr>
-          </a:lnRef>
-          <a:fillRef idx="1">
-            <a:schemeClr val="accent1"/>
-          </a:fillRef>
-          <a:effectRef idx="0">
-            <a:schemeClr val="accent1"/>
-          </a:effectRef>
-          <a:fontRef idx="minor">
-            <a:schemeClr val="lt1"/>
-          </a:fontRef>
-        </p:style>
-        <p:txBody>
-          <a:bodyPr rtlCol="0" anchor="ctr"/>
-          <a:lstStyle/>
-          <a:p>
-            <a:pPr algn="ctr"/>
-            <a:endParaRPr lang="en-US" dirty="0"/>
-          </a:p>
-        </p:txBody>
-      </p:sp>
-      <p:sp>
-        <p:nvSpPr>
-          <p:cNvPr id="2" name="Title 1">
-            <a:extLst>
-              <a:ext uri="{FF2B5EF4-FFF2-40B4-BE49-F238E27FC236}">
-                <a16:creationId xmlns:a16="http://schemas.microsoft.com/office/drawing/2014/main" id="{30282A96-DA06-9701-DB3D-DFC920B70D12}"/>
-              </a:ext>
-            </a:extLst>
-          </p:cNvPr>
-          <p:cNvSpPr>
-            <a:spLocks noGrp="1"/>
-          </p:cNvSpPr>
-          <p:nvPr>
-            <p:ph type="title"/>
-          </p:nvPr>
-        </p:nvSpPr>
-        <p:spPr>
-          <a:xfrm>
-            <a:off x="826396" y="586855"/>
-            <a:ext cx="4230100" cy="3387497"/>
-          </a:xfrm>
-        </p:spPr>
-        <p:txBody>
-          <a:bodyPr anchor="b">
-            <a:normAutofit/>
-          </a:bodyPr>
-          <a:lstStyle/>
-          <a:p>
-            <a:pPr algn="r"/>
-            <a:r>
-              <a:rPr lang="en-US" sz="4000">
-                <a:solidFill>
-                  <a:srgbClr val="FFFFFF"/>
-                </a:solidFill>
-              </a:rPr>
-              <a:t>What’s next</a:t>
-            </a:r>
-          </a:p>
-        </p:txBody>
-      </p:sp>
-      <p:sp>
-        <p:nvSpPr>
-          <p:cNvPr id="3" name="Content Placeholder 2">
-            <a:extLst>
-              <a:ext uri="{FF2B5EF4-FFF2-40B4-BE49-F238E27FC236}">
-                <a16:creationId xmlns:a16="http://schemas.microsoft.com/office/drawing/2014/main" id="{E5CA362C-5D70-AA98-7EF8-A7025918233F}"/>
-              </a:ext>
-            </a:extLst>
-          </p:cNvPr>
-          <p:cNvSpPr>
-            <a:spLocks noGrp="1"/>
-          </p:cNvSpPr>
-          <p:nvPr>
-            <p:ph idx="1"/>
-          </p:nvPr>
-        </p:nvSpPr>
-        <p:spPr>
-          <a:xfrm>
-            <a:off x="6503158" y="649480"/>
-            <a:ext cx="4862447" cy="5546047"/>
-          </a:xfrm>
-        </p:spPr>
-        <p:txBody>
-          <a:bodyPr anchor="ctr">
-            <a:normAutofit/>
-          </a:bodyPr>
-          <a:lstStyle/>
-          <a:p>
-            <a:r>
-              <a:rPr lang="en-US" sz="2000"/>
-              <a:t>Setup initial environment.</a:t>
-            </a:r>
-          </a:p>
-          <a:p>
-            <a:r>
-              <a:rPr lang="en-US" sz="2000"/>
-              <a:t>Create wireframe.</a:t>
-            </a:r>
-          </a:p>
-          <a:p>
-            <a:r>
-              <a:rPr lang="en-US" sz="2000"/>
-              <a:t>Do some functional requirements.</a:t>
-            </a:r>
-          </a:p>
-          <a:p>
-            <a:r>
-              <a:rPr lang="en-US" sz="2000"/>
-              <a:t>Do research question 1.</a:t>
-            </a:r>
-          </a:p>
-        </p:txBody>
-      </p:sp>
-    </p:spTree>
-    <p:extLst>
-      <p:ext uri="{BB962C8B-B14F-4D97-AF65-F5344CB8AC3E}">
-        <p14:creationId xmlns:p14="http://schemas.microsoft.com/office/powerpoint/2010/main" val="1010588785"/>
-      </p:ext>
-    </p:extLst>
-  </p:cSld>
-  <p:clrMapOvr>
-    <a:masterClrMapping/>
-  </p:clrMapOvr>
-</p:sld>
-</file>
-
-<file path=ppt/slides/slide11.xml><?xml version="1.0" encoding="utf-8"?>
-<p:sld xmlns:a="http://schemas.openxmlformats.org/drawingml/2006/main" xmlns:r="http://schemas.openxmlformats.org/officeDocument/2006/relationships" xmlns:p="http://schemas.openxmlformats.org/presentationml/2006/main">
-  <p:cSld>
-    <p:bg>
-      <p:bgPr>
-        <a:solidFill>
-          <a:schemeClr val="bg1"/>
-        </a:solidFill>
-        <a:effectLst/>
-      </p:bgPr>
-    </p:bg>
-    <p:spTree>
-      <p:nvGrpSpPr>
-        <p:cNvPr id="1" name=""/>
-        <p:cNvGrpSpPr/>
-        <p:nvPr/>
-      </p:nvGrpSpPr>
-      <p:grpSpPr>
-        <a:xfrm>
-          <a:off x="0" y="0"/>
-          <a:ext cx="0" cy="0"/>
-          <a:chOff x="0" y="0"/>
-          <a:chExt cx="0" cy="0"/>
-        </a:xfrm>
-      </p:grpSpPr>
-      <p:sp useBgFill="1">
-        <p:nvSpPr>
           <p:cNvPr id="10" name="Rectangle 9">
             <a:extLst>
               <a:ext uri="{FF2B5EF4-FFF2-40B4-BE49-F238E27FC236}">
@@ -14104,10 +10756,10 @@
       </p:grpSpPr>
       <p:sp useBgFill="1">
         <p:nvSpPr>
-          <p:cNvPr id="9" name="Rectangle 8">
-            <a:extLst>
-              <a:ext uri="{FF2B5EF4-FFF2-40B4-BE49-F238E27FC236}">
-                <a16:creationId xmlns:a16="http://schemas.microsoft.com/office/drawing/2014/main" id="{BACC6370-2D7E-4714-9D71-7542949D7D5D}"/>
+          <p:cNvPr id="19" name="Rectangle 18">
+            <a:extLst>
+              <a:ext uri="{FF2B5EF4-FFF2-40B4-BE49-F238E27FC236}">
+                <a16:creationId xmlns:a16="http://schemas.microsoft.com/office/drawing/2014/main" id="{DEE2AD96-B495-4E06-9291-B71706F728CB}"/>
               </a:ext>
               <a:ext uri="{C183D7F6-B498-43B3-948B-1728B52AA6E4}">
                 <adec:decorative xmlns:adec="http://schemas.microsoft.com/office/drawing/2017/decorative" val="1"/>
@@ -14180,10 +10832,10 @@
       </p:sp>
       <p:sp>
         <p:nvSpPr>
-          <p:cNvPr id="11" name="Rectangle 10">
-            <a:extLst>
-              <a:ext uri="{FF2B5EF4-FFF2-40B4-BE49-F238E27FC236}">
-                <a16:creationId xmlns:a16="http://schemas.microsoft.com/office/drawing/2014/main" id="{F68B3F68-107C-434F-AA38-110D5EA91B85}"/>
+          <p:cNvPr id="20" name="Rectangle 19">
+            <a:extLst>
+              <a:ext uri="{FF2B5EF4-FFF2-40B4-BE49-F238E27FC236}">
+                <a16:creationId xmlns:a16="http://schemas.microsoft.com/office/drawing/2014/main" id="{53CF6D67-C5A8-4ADD-9E8E-1E38CA1D3166}"/>
               </a:ext>
               <a:ext uri="{C183D7F6-B498-43B3-948B-1728B52AA6E4}">
                 <adec:decorative xmlns:adec="http://schemas.microsoft.com/office/drawing/2017/decorative" val="1"/>
@@ -14202,19 +10854,17 @@
           </p:nvPr>
         </p:nvSpPr>
         <p:spPr>
-          <a:xfrm flipH="1">
-            <a:off x="2" y="0"/>
-            <a:ext cx="12191998" cy="1575955"/>
+          <a:xfrm rot="5400000" flipH="1">
+            <a:off x="-638515" y="639280"/>
+            <a:ext cx="6858000" cy="5579440"/>
           </a:xfrm>
           <a:prstGeom prst="rect">
             <a:avLst/>
           </a:prstGeom>
           <a:gradFill>
             <a:gsLst>
-              <a:gs pos="0">
-                <a:srgbClr val="000000">
-                  <a:alpha val="96000"/>
-                </a:srgbClr>
+              <a:gs pos="8000">
+                <a:srgbClr val="000000"/>
               </a:gs>
               <a:gs pos="100000">
                 <a:schemeClr val="accent1">
@@ -14222,7 +10872,7 @@
                 </a:schemeClr>
               </a:gs>
             </a:gsLst>
-            <a:lin ang="8400000" scaled="0"/>
+            <a:lin ang="3000000" scaled="0"/>
           </a:gradFill>
           <a:ln>
             <a:noFill/>
@@ -14255,10 +10905,10 @@
       </p:sp>
       <p:sp>
         <p:nvSpPr>
-          <p:cNvPr id="13" name="Rectangle 12">
-            <a:extLst>
-              <a:ext uri="{FF2B5EF4-FFF2-40B4-BE49-F238E27FC236}">
-                <a16:creationId xmlns:a16="http://schemas.microsoft.com/office/drawing/2014/main" id="{AAD0DBB9-1A4B-4391-81D4-CB19F9AB918A}"/>
+          <p:cNvPr id="21" name="Rectangle 20">
+            <a:extLst>
+              <a:ext uri="{FF2B5EF4-FFF2-40B4-BE49-F238E27FC236}">
+                <a16:creationId xmlns:a16="http://schemas.microsoft.com/office/drawing/2014/main" id="{86909FA0-B515-4681-B7A8-FA281D133B94}"/>
               </a:ext>
               <a:ext uri="{C183D7F6-B498-43B3-948B-1728B52AA6E4}">
                 <adec:decorative xmlns:adec="http://schemas.microsoft.com/office/drawing/2017/decorative" val="1"/>
@@ -14277,28 +10927,27 @@
           </p:nvPr>
         </p:nvSpPr>
         <p:spPr>
-          <a:xfrm rot="10800000" flipH="1">
-            <a:off x="8128857" y="0"/>
-            <a:ext cx="4063143" cy="1576412"/>
+          <a:xfrm rot="5400000" flipH="1">
+            <a:off x="-393206" y="395206"/>
+            <a:ext cx="6346209" cy="5576080"/>
           </a:xfrm>
           <a:prstGeom prst="rect">
             <a:avLst/>
           </a:prstGeom>
           <a:gradFill>
             <a:gsLst>
-              <a:gs pos="19000">
+              <a:gs pos="0">
+                <a:srgbClr val="000000">
+                  <a:alpha val="0"/>
+                </a:srgbClr>
+              </a:gs>
+              <a:gs pos="99000">
                 <a:schemeClr val="accent1">
-                  <a:lumMod val="50000"/>
-                  <a:alpha val="68000"/>
-                </a:schemeClr>
-              </a:gs>
-              <a:gs pos="100000">
-                <a:schemeClr val="accent1">
-                  <a:alpha val="79000"/>
+                  <a:alpha val="0"/>
                 </a:schemeClr>
               </a:gs>
             </a:gsLst>
-            <a:lin ang="19200000" scaled="0"/>
+            <a:lin ang="1800000" scaled="0"/>
           </a:gradFill>
           <a:ln>
             <a:noFill/>
@@ -14331,10 +10980,10 @@
       </p:sp>
       <p:sp>
         <p:nvSpPr>
-          <p:cNvPr id="15" name="Rectangle 14">
-            <a:extLst>
-              <a:ext uri="{FF2B5EF4-FFF2-40B4-BE49-F238E27FC236}">
-                <a16:creationId xmlns:a16="http://schemas.microsoft.com/office/drawing/2014/main" id="{063BBA22-50EA-4C4D-BE05-F1CE4E63AA56}"/>
+          <p:cNvPr id="22" name="Rectangle 21">
+            <a:extLst>
+              <a:ext uri="{FF2B5EF4-FFF2-40B4-BE49-F238E27FC236}">
+                <a16:creationId xmlns:a16="http://schemas.microsoft.com/office/drawing/2014/main" id="{21C9FE86-FCC3-4A31-AA1C-C882262B7FE7}"/>
               </a:ext>
               <a:ext uri="{C183D7F6-B498-43B3-948B-1728B52AA6E4}">
                 <adec:decorative xmlns:adec="http://schemas.microsoft.com/office/drawing/2017/decorative" val="1"/>
@@ -14353,27 +11002,27 @@
           </p:nvPr>
         </p:nvSpPr>
         <p:spPr>
-          <a:xfrm rot="5400000">
-            <a:off x="5307777" y="-5307778"/>
-            <a:ext cx="1576446" cy="12192002"/>
+          <a:xfrm rot="5400000" flipH="1">
+            <a:off x="1528907" y="2818967"/>
+            <a:ext cx="2501979" cy="5576080"/>
           </a:xfrm>
           <a:prstGeom prst="rect">
             <a:avLst/>
           </a:prstGeom>
           <a:gradFill>
             <a:gsLst>
-              <a:gs pos="23000">
+              <a:gs pos="2000">
                 <a:schemeClr val="accent1">
-                  <a:alpha val="0"/>
+                  <a:alpha val="29000"/>
                 </a:schemeClr>
               </a:gs>
-              <a:gs pos="99000">
+              <a:gs pos="100000">
                 <a:srgbClr val="000000">
-                  <a:alpha val="74000"/>
+                  <a:alpha val="30000"/>
                 </a:srgbClr>
               </a:gs>
             </a:gsLst>
-            <a:lin ang="20400000" scaled="0"/>
+            <a:lin ang="7800000" scaled="0"/>
           </a:gradFill>
           <a:ln>
             <a:noFill/>
@@ -14406,10 +11055,162 @@
       </p:sp>
       <p:sp>
         <p:nvSpPr>
+          <p:cNvPr id="23" name="Rectangle 22">
+            <a:extLst>
+              <a:ext uri="{FF2B5EF4-FFF2-40B4-BE49-F238E27FC236}">
+                <a16:creationId xmlns:a16="http://schemas.microsoft.com/office/drawing/2014/main" id="{7D96243B-ECED-4B71-8E06-AE9A285EAD20}"/>
+              </a:ext>
+              <a:ext uri="{C183D7F6-B498-43B3-948B-1728B52AA6E4}">
+                <adec:decorative xmlns:adec="http://schemas.microsoft.com/office/drawing/2017/decorative" val="1"/>
+              </a:ext>
+            </a:extLst>
+          </p:cNvPr>
+          <p:cNvSpPr>
+            <a:spLocks noGrp="1" noRot="1" noChangeAspect="1" noMove="1" noResize="1" noEditPoints="1" noAdjustHandles="1" noChangeArrowheads="1" noChangeShapeType="1" noTextEdit="1"/>
+          </p:cNvSpPr>
+          <p:nvPr>
+            <p:extLst>
+              <p:ext uri="{386F3935-93C4-4BCD-93E2-E3B085C9AB24}">
+                <p16:designElem xmlns:p16="http://schemas.microsoft.com/office/powerpoint/2015/main" val="1"/>
+              </p:ext>
+            </p:extLst>
+          </p:nvPr>
+        </p:nvSpPr>
+        <p:spPr>
+          <a:xfrm rot="5400000" flipH="1">
+            <a:off x="-425002" y="852793"/>
+            <a:ext cx="6858001" cy="5152412"/>
+          </a:xfrm>
+          <a:prstGeom prst="rect">
+            <a:avLst/>
+          </a:prstGeom>
+          <a:gradFill>
+            <a:gsLst>
+              <a:gs pos="0">
+                <a:srgbClr val="000000">
+                  <a:alpha val="0"/>
+                </a:srgbClr>
+              </a:gs>
+              <a:gs pos="99000">
+                <a:schemeClr val="accent1">
+                  <a:alpha val="11000"/>
+                </a:schemeClr>
+              </a:gs>
+            </a:gsLst>
+            <a:lin ang="7800000" scaled="0"/>
+          </a:gradFill>
+          <a:ln>
+            <a:noFill/>
+          </a:ln>
+        </p:spPr>
+        <p:style>
+          <a:lnRef idx="2">
+            <a:schemeClr val="accent1">
+              <a:shade val="50000"/>
+            </a:schemeClr>
+          </a:lnRef>
+          <a:fillRef idx="1">
+            <a:schemeClr val="accent1"/>
+          </a:fillRef>
+          <a:effectRef idx="0">
+            <a:schemeClr val="accent1"/>
+          </a:effectRef>
+          <a:fontRef idx="minor">
+            <a:schemeClr val="lt1"/>
+          </a:fontRef>
+        </p:style>
+        <p:txBody>
+          <a:bodyPr rtlCol="0" anchor="ctr"/>
+          <a:lstStyle/>
+          <a:p>
+            <a:pPr algn="ctr"/>
+            <a:endParaRPr lang="en-US"/>
+          </a:p>
+        </p:txBody>
+      </p:sp>
+      <p:sp>
+        <p:nvSpPr>
+          <p:cNvPr id="18" name="Oval 17">
+            <a:extLst>
+              <a:ext uri="{FF2B5EF4-FFF2-40B4-BE49-F238E27FC236}">
+                <a16:creationId xmlns:a16="http://schemas.microsoft.com/office/drawing/2014/main" id="{A09989E4-EFDC-4A90-A633-E0525FB4139E}"/>
+              </a:ext>
+              <a:ext uri="{C183D7F6-B498-43B3-948B-1728B52AA6E4}">
+                <adec:decorative xmlns:adec="http://schemas.microsoft.com/office/drawing/2017/decorative" val="1"/>
+              </a:ext>
+            </a:extLst>
+          </p:cNvPr>
+          <p:cNvSpPr>
+            <a:spLocks noGrp="1" noRot="1" noChangeAspect="1" noMove="1" noResize="1" noEditPoints="1" noAdjustHandles="1" noChangeArrowheads="1" noChangeShapeType="1" noTextEdit="1"/>
+          </p:cNvSpPr>
+          <p:nvPr>
+            <p:extLst>
+              <p:ext uri="{386F3935-93C4-4BCD-93E2-E3B085C9AB24}">
+                <p16:designElem xmlns:p16="http://schemas.microsoft.com/office/powerpoint/2015/main" val="1"/>
+              </p:ext>
+            </p:extLst>
+          </p:nvPr>
+        </p:nvSpPr>
+        <p:spPr>
+          <a:xfrm rot="6097846">
+            <a:off x="818753" y="1128497"/>
+            <a:ext cx="4318303" cy="4318303"/>
+          </a:xfrm>
+          <a:prstGeom prst="ellipse">
+            <a:avLst/>
+          </a:prstGeom>
+          <a:gradFill>
+            <a:gsLst>
+              <a:gs pos="39000">
+                <a:schemeClr val="accent1">
+                  <a:alpha val="0"/>
+                </a:schemeClr>
+              </a:gs>
+              <a:gs pos="100000">
+                <a:schemeClr val="accent1">
+                  <a:lumMod val="60000"/>
+                  <a:lumOff val="40000"/>
+                  <a:alpha val="15000"/>
+                </a:schemeClr>
+              </a:gs>
+            </a:gsLst>
+            <a:lin ang="17400000" scaled="0"/>
+          </a:gradFill>
+          <a:ln>
+            <a:noFill/>
+          </a:ln>
+        </p:spPr>
+        <p:style>
+          <a:lnRef idx="2">
+            <a:schemeClr val="accent1">
+              <a:shade val="50000"/>
+            </a:schemeClr>
+          </a:lnRef>
+          <a:fillRef idx="1">
+            <a:schemeClr val="accent1"/>
+          </a:fillRef>
+          <a:effectRef idx="0">
+            <a:schemeClr val="accent1"/>
+          </a:effectRef>
+          <a:fontRef idx="minor">
+            <a:schemeClr val="lt1"/>
+          </a:fontRef>
+        </p:style>
+        <p:txBody>
+          <a:bodyPr rtlCol="0" anchor="ctr"/>
+          <a:lstStyle/>
+          <a:p>
+            <a:pPr algn="ctr"/>
+            <a:endParaRPr lang="en-US" dirty="0"/>
+          </a:p>
+        </p:txBody>
+      </p:sp>
+      <p:sp>
+        <p:nvSpPr>
           <p:cNvPr id="2" name="Title 1">
             <a:extLst>
               <a:ext uri="{FF2B5EF4-FFF2-40B4-BE49-F238E27FC236}">
-                <a16:creationId xmlns:a16="http://schemas.microsoft.com/office/drawing/2014/main" id="{D1A94BFF-3A16-1BDC-EA41-5995A0D183B1}"/>
+                <a16:creationId xmlns:a16="http://schemas.microsoft.com/office/drawing/2014/main" id="{30282A96-DA06-9701-DB3D-DFC920B70D12}"/>
               </a:ext>
             </a:extLst>
           </p:cNvPr>
@@ -14422,16 +11223,17 @@
         </p:nvSpPr>
         <p:spPr>
           <a:xfrm>
-            <a:off x="1371597" y="348865"/>
-            <a:ext cx="10044023" cy="877729"/>
+            <a:off x="826396" y="586855"/>
+            <a:ext cx="4230100" cy="3387497"/>
           </a:xfrm>
         </p:spPr>
         <p:txBody>
-          <a:bodyPr anchor="ctr">
+          <a:bodyPr anchor="b">
             <a:normAutofit/>
           </a:bodyPr>
           <a:lstStyle/>
           <a:p>
+            <a:pPr algn="r"/>
             <a:r>
               <a:rPr lang="en-US" sz="4000">
                 <a:solidFill>
@@ -14443,41 +11245,63 @@
           </a:p>
         </p:txBody>
       </p:sp>
-      <p:graphicFrame>
-        <p:nvGraphicFramePr>
-          <p:cNvPr id="5" name="Content Placeholder 2">
-            <a:extLst>
-              <a:ext uri="{FF2B5EF4-FFF2-40B4-BE49-F238E27FC236}">
-                <a16:creationId xmlns:a16="http://schemas.microsoft.com/office/drawing/2014/main" id="{B07689A4-3BA6-95F7-279B-AAD8FA88A799}"/>
-              </a:ext>
-            </a:extLst>
-          </p:cNvPr>
-          <p:cNvGraphicFramePr>
-            <a:graphicFrameLocks noGrp="1"/>
-          </p:cNvGraphicFramePr>
+      <p:sp>
+        <p:nvSpPr>
+          <p:cNvPr id="3" name="Content Placeholder 2">
+            <a:extLst>
+              <a:ext uri="{FF2B5EF4-FFF2-40B4-BE49-F238E27FC236}">
+                <a16:creationId xmlns:a16="http://schemas.microsoft.com/office/drawing/2014/main" id="{E5CA362C-5D70-AA98-7EF8-A7025918233F}"/>
+              </a:ext>
+            </a:extLst>
+          </p:cNvPr>
+          <p:cNvSpPr>
+            <a:spLocks noGrp="1"/>
+          </p:cNvSpPr>
           <p:nvPr>
             <p:ph idx="1"/>
-            <p:extLst>
-              <p:ext uri="{D42A27DB-BD31-4B8C-83A1-F6EECF244321}">
-                <p14:modId xmlns:p14="http://schemas.microsoft.com/office/powerpoint/2010/main" val="2650498906"/>
-              </p:ext>
-            </p:extLst>
-          </p:nvPr>
-        </p:nvGraphicFramePr>
-        <p:xfrm>
-          <a:off x="644056" y="2112579"/>
-          <a:ext cx="10927829" cy="4192805"/>
-        </p:xfrm>
-        <a:graphic>
-          <a:graphicData uri="http://schemas.openxmlformats.org/drawingml/2006/diagram">
-            <dgm:relIds xmlns:dgm="http://schemas.openxmlformats.org/drawingml/2006/diagram" xmlns:r="http://schemas.openxmlformats.org/officeDocument/2006/relationships" r:dm="rId2" r:lo="rId3" r:qs="rId4" r:cs="rId5"/>
-          </a:graphicData>
-        </a:graphic>
-      </p:graphicFrame>
+          </p:nvPr>
+        </p:nvSpPr>
+        <p:spPr>
+          <a:xfrm>
+            <a:off x="6503158" y="649480"/>
+            <a:ext cx="4862447" cy="5546047"/>
+          </a:xfrm>
+        </p:spPr>
+        <p:txBody>
+          <a:bodyPr anchor="ctr">
+            <a:normAutofit/>
+          </a:bodyPr>
+          <a:lstStyle/>
+          <a:p>
+            <a:r>
+              <a:rPr lang="en-US" sz="2000"/>
+              <a:t>Setup initial environment.</a:t>
+            </a:r>
+          </a:p>
+          <a:p>
+            <a:r>
+              <a:rPr lang="en-US" sz="2000"/>
+              <a:t>Create wireframe.</a:t>
+            </a:r>
+          </a:p>
+          <a:p>
+            <a:r>
+              <a:rPr lang="en-US" sz="2000"/>
+              <a:t>Do some functional requirements.</a:t>
+            </a:r>
+          </a:p>
+          <a:p>
+            <a:r>
+              <a:rPr lang="en-US" sz="2000"/>
+              <a:t>Do research question 1.</a:t>
+            </a:r>
+          </a:p>
+        </p:txBody>
+      </p:sp>
     </p:spTree>
     <p:extLst>
       <p:ext uri="{BB962C8B-B14F-4D97-AF65-F5344CB8AC3E}">
-        <p14:creationId xmlns:p14="http://schemas.microsoft.com/office/powerpoint/2010/main" val="1646518667"/>
+        <p14:creationId xmlns:p14="http://schemas.microsoft.com/office/powerpoint/2010/main" val="1010588785"/>
       </p:ext>
     </p:extLst>
   </p:cSld>
